--- a/Sport vs Crime.pptx
+++ b/Sport vs Crime.pptx
@@ -119,6 +119,11 @@
       </a:defRPr>
     </a:lvl9pPr>
   </p:defaultTextStyle>
+  <p:extLst>
+    <p:ext uri="{EFAFB233-063F-42B5-8137-9DF3F51BA10A}">
+      <p15:sldGuideLst xmlns:p15="http://schemas.microsoft.com/office/powerpoint/2012/main"/>
+    </p:ext>
+  </p:extLst>
 </p:presentation>
 </file>
 
@@ -204,7 +209,7 @@
           <a:p>
             <a:fld id="{217BC4F0-E1E2-479C-A628-DB54C5C81801}" type="datetimeFigureOut">
               <a:rPr lang="ru-RU" smtClean="0"/>
-              <a:t>08.03.2019</a:t>
+              <a:t>09.03.2019</a:t>
             </a:fld>
             <a:endParaRPr lang="ru-RU"/>
           </a:p>
@@ -610,7 +615,7 @@
           <a:p>
             <a:fld id="{C281F5C4-D071-4EE7-A48B-9096C9CCB761}" type="datetime1">
               <a:rPr lang="ru-RU" smtClean="0"/>
-              <a:t>08.03.2019</a:t>
+              <a:t>09.03.2019</a:t>
             </a:fld>
             <a:endParaRPr lang="ru-RU"/>
           </a:p>
@@ -821,7 +826,7 @@
           <a:p>
             <a:fld id="{C9045979-69E9-4D6B-B586-9ED45B43E90B}" type="datetime1">
               <a:rPr lang="ru-RU" smtClean="0"/>
-              <a:t>08.03.2019</a:t>
+              <a:t>09.03.2019</a:t>
             </a:fld>
             <a:endParaRPr lang="ru-RU"/>
           </a:p>
@@ -1036,7 +1041,7 @@
           <a:p>
             <a:fld id="{46C142F0-027C-4A4D-A569-E2324B3063C9}" type="datetime1">
               <a:rPr lang="ru-RU" smtClean="0"/>
-              <a:t>08.03.2019</a:t>
+              <a:t>09.03.2019</a:t>
             </a:fld>
             <a:endParaRPr lang="ru-RU"/>
           </a:p>
@@ -1237,7 +1242,7 @@
           <a:p>
             <a:fld id="{8302A1A4-EE4C-4FD3-8E02-7B91B59EFBF7}" type="datetime1">
               <a:rPr lang="ru-RU" smtClean="0"/>
-              <a:t>08.03.2019</a:t>
+              <a:t>09.03.2019</a:t>
             </a:fld>
             <a:endParaRPr lang="ru-RU"/>
           </a:p>
@@ -1516,7 +1521,7 @@
           <a:p>
             <a:fld id="{9A8FCF05-95AA-4E7C-9055-B38462F25443}" type="datetime1">
               <a:rPr lang="ru-RU" smtClean="0"/>
-              <a:t>08.03.2019</a:t>
+              <a:t>09.03.2019</a:t>
             </a:fld>
             <a:endParaRPr lang="ru-RU"/>
           </a:p>
@@ -1784,7 +1789,7 @@
           <a:p>
             <a:fld id="{D9781A49-D502-416F-819A-6100EB6B33EB}" type="datetime1">
               <a:rPr lang="ru-RU" smtClean="0"/>
-              <a:t>08.03.2019</a:t>
+              <a:t>09.03.2019</a:t>
             </a:fld>
             <a:endParaRPr lang="ru-RU"/>
           </a:p>
@@ -2200,7 +2205,7 @@
           <a:p>
             <a:fld id="{2AC61C9F-F579-4D2A-BFBE-1F227E742E8D}" type="datetime1">
               <a:rPr lang="ru-RU" smtClean="0"/>
-              <a:t>08.03.2019</a:t>
+              <a:t>09.03.2019</a:t>
             </a:fld>
             <a:endParaRPr lang="ru-RU"/>
           </a:p>
@@ -2349,7 +2354,7 @@
           <a:p>
             <a:fld id="{BA7BCFD7-C5DB-4F57-B07E-15B76E4B5A41}" type="datetime1">
               <a:rPr lang="ru-RU" smtClean="0"/>
-              <a:t>08.03.2019</a:t>
+              <a:t>09.03.2019</a:t>
             </a:fld>
             <a:endParaRPr lang="ru-RU"/>
           </a:p>
@@ -2475,7 +2480,7 @@
           <a:p>
             <a:fld id="{3CDD5017-BFA6-491F-B1F7-DFDCC4C65E8E}" type="datetime1">
               <a:rPr lang="ru-RU" smtClean="0"/>
-              <a:t>08.03.2019</a:t>
+              <a:t>09.03.2019</a:t>
             </a:fld>
             <a:endParaRPr lang="ru-RU"/>
           </a:p>
@@ -2726,7 +2731,7 @@
           <a:p>
             <a:fld id="{497F6C5E-4182-47EB-B5B4-BFBE5F144AA6}" type="datetime1">
               <a:rPr lang="ru-RU" smtClean="0"/>
-              <a:t>08.03.2019</a:t>
+              <a:t>09.03.2019</a:t>
             </a:fld>
             <a:endParaRPr lang="ru-RU"/>
           </a:p>
@@ -3171,7 +3176,7 @@
           <a:p>
             <a:fld id="{0588A006-E1E7-439B-993A-84110B1831FD}" type="datetime1">
               <a:rPr lang="ru-RU" smtClean="0"/>
-              <a:t>08.03.2019</a:t>
+              <a:t>09.03.2019</a:t>
             </a:fld>
             <a:endParaRPr lang="ru-RU"/>
           </a:p>
@@ -3514,7 +3519,7 @@
           <a:p>
             <a:fld id="{0017D19A-DB94-4F56-BBA8-87215FBF960F}" type="datetime1">
               <a:rPr lang="ru-RU" smtClean="0"/>
-              <a:t>08.03.2019</a:t>
+              <a:t>09.03.2019</a:t>
             </a:fld>
             <a:endParaRPr lang="ru-RU"/>
           </a:p>
@@ -4551,7 +4556,7 @@
             <p:ph idx="1"/>
             <p:extLst>
               <p:ext uri="{D42A27DB-BD31-4B8C-83A1-F6EECF244321}">
-                <p14:modId xmlns:p14="http://schemas.microsoft.com/office/powerpoint/2010/main" val="3106937273"/>
+                <p14:modId xmlns:p14="http://schemas.microsoft.com/office/powerpoint/2010/main" val="3028839331"/>
               </p:ext>
             </p:extLst>
           </p:nvPr>
@@ -4563,7 +4568,9 @@
         <a:graphic>
           <a:graphicData uri="http://schemas.openxmlformats.org/drawingml/2006/table">
             <a:tbl>
-              <a:tblPr firstRow="1" firstCol="1" bandRow="1"/>
+              <a:tblPr firstRow="1" firstCol="1" bandRow="1">
+                <a:tableStyleId>{616DA210-FB5B-4158-B5E0-FEB733F419BA}</a:tableStyleId>
+              </a:tblPr>
               <a:tblGrid>
                 <a:gridCol w="2936239">
                   <a:extLst>
@@ -4616,11 +4623,8 @@
                         </a:spcAft>
                       </a:pPr>
                       <a:r>
-                        <a:rPr lang="en-US" sz="2000" b="1" dirty="0">
+                        <a:rPr lang="en-US" sz="2000" dirty="0">
                           <a:effectLst/>
-                          <a:latin typeface="+mj-lt"/>
-                          <a:ea typeface="Calibri" panose="020F0502020204030204" pitchFamily="34" charset="0"/>
-                          <a:cs typeface="Times New Roman" panose="02020603050405020304" pitchFamily="18" charset="0"/>
                         </a:rPr>
                         <a:t>Classifier</a:t>
                       </a:r>
@@ -4632,44 +4636,7 @@
                       </a:endParaRPr>
                     </a:p>
                   </a:txBody>
-                  <a:tcPr marL="68580" marR="68580" marT="0" marB="0">
-                    <a:lnL w="12700" cap="flat" cmpd="sng" algn="ctr">
-                      <a:solidFill>
-                        <a:srgbClr val="BFBFBF"/>
-                      </a:solidFill>
-                      <a:prstDash val="solid"/>
-                      <a:round/>
-                      <a:headEnd type="none" w="med" len="med"/>
-                      <a:tailEnd type="none" w="med" len="med"/>
-                    </a:lnL>
-                    <a:lnR w="12700" cap="flat" cmpd="sng" algn="ctr">
-                      <a:solidFill>
-                        <a:srgbClr val="BFBFBF"/>
-                      </a:solidFill>
-                      <a:prstDash val="solid"/>
-                      <a:round/>
-                      <a:headEnd type="none" w="med" len="med"/>
-                      <a:tailEnd type="none" w="med" len="med"/>
-                    </a:lnR>
-                    <a:lnT w="12700" cap="flat" cmpd="sng" algn="ctr">
-                      <a:solidFill>
-                        <a:srgbClr val="BFBFBF"/>
-                      </a:solidFill>
-                      <a:prstDash val="solid"/>
-                      <a:round/>
-                      <a:headEnd type="none" w="med" len="med"/>
-                      <a:tailEnd type="none" w="med" len="med"/>
-                    </a:lnT>
-                    <a:lnB w="12700" cap="flat" cmpd="sng" algn="ctr">
-                      <a:solidFill>
-                        <a:srgbClr val="BFBFBF"/>
-                      </a:solidFill>
-                      <a:prstDash val="solid"/>
-                      <a:round/>
-                      <a:headEnd type="none" w="med" len="med"/>
-                      <a:tailEnd type="none" w="med" len="med"/>
-                    </a:lnB>
-                  </a:tcPr>
+                  <a:tcPr marL="68580" marR="68580" marT="0" marB="0"/>
                 </a:tc>
                 <a:tc>
                   <a:txBody>
@@ -4685,11 +4652,8 @@
                         </a:spcAft>
                       </a:pPr>
                       <a:r>
-                        <a:rPr lang="en-US" sz="2000" b="1" dirty="0">
+                        <a:rPr lang="en-US" sz="2000" dirty="0">
                           <a:effectLst/>
-                          <a:latin typeface="+mj-lt"/>
-                          <a:ea typeface="Calibri" panose="020F0502020204030204" pitchFamily="34" charset="0"/>
-                          <a:cs typeface="Times New Roman" panose="02020603050405020304" pitchFamily="18" charset="0"/>
                         </a:rPr>
                         <a:t>Accuracy</a:t>
                       </a:r>
@@ -4701,44 +4665,7 @@
                       </a:endParaRPr>
                     </a:p>
                   </a:txBody>
-                  <a:tcPr marL="68580" marR="68580" marT="0" marB="0">
-                    <a:lnL w="12700" cap="flat" cmpd="sng" algn="ctr">
-                      <a:solidFill>
-                        <a:srgbClr val="BFBFBF"/>
-                      </a:solidFill>
-                      <a:prstDash val="solid"/>
-                      <a:round/>
-                      <a:headEnd type="none" w="med" len="med"/>
-                      <a:tailEnd type="none" w="med" len="med"/>
-                    </a:lnL>
-                    <a:lnR w="12700" cap="flat" cmpd="sng" algn="ctr">
-                      <a:solidFill>
-                        <a:srgbClr val="BFBFBF"/>
-                      </a:solidFill>
-                      <a:prstDash val="solid"/>
-                      <a:round/>
-                      <a:headEnd type="none" w="med" len="med"/>
-                      <a:tailEnd type="none" w="med" len="med"/>
-                    </a:lnR>
-                    <a:lnT w="12700" cap="flat" cmpd="sng" algn="ctr">
-                      <a:solidFill>
-                        <a:srgbClr val="BFBFBF"/>
-                      </a:solidFill>
-                      <a:prstDash val="solid"/>
-                      <a:round/>
-                      <a:headEnd type="none" w="med" len="med"/>
-                      <a:tailEnd type="none" w="med" len="med"/>
-                    </a:lnT>
-                    <a:lnB w="12700" cap="flat" cmpd="sng" algn="ctr">
-                      <a:solidFill>
-                        <a:srgbClr val="BFBFBF"/>
-                      </a:solidFill>
-                      <a:prstDash val="solid"/>
-                      <a:round/>
-                      <a:headEnd type="none" w="med" len="med"/>
-                      <a:tailEnd type="none" w="med" len="med"/>
-                    </a:lnB>
-                  </a:tcPr>
+                  <a:tcPr marL="68580" marR="68580" marT="0" marB="0"/>
                 </a:tc>
                 <a:tc>
                   <a:txBody>
@@ -4754,11 +4681,8 @@
                         </a:spcAft>
                       </a:pPr>
                       <a:r>
-                        <a:rPr lang="en-US" sz="2000" b="1">
+                        <a:rPr lang="en-US" sz="2000">
                           <a:effectLst/>
-                          <a:latin typeface="+mj-lt"/>
-                          <a:ea typeface="Calibri" panose="020F0502020204030204" pitchFamily="34" charset="0"/>
-                          <a:cs typeface="Times New Roman" panose="02020603050405020304" pitchFamily="18" charset="0"/>
                         </a:rPr>
                         <a:t>Precision</a:t>
                       </a:r>
@@ -4770,44 +4694,7 @@
                       </a:endParaRPr>
                     </a:p>
                   </a:txBody>
-                  <a:tcPr marL="68580" marR="68580" marT="0" marB="0">
-                    <a:lnL w="12700" cap="flat" cmpd="sng" algn="ctr">
-                      <a:solidFill>
-                        <a:srgbClr val="BFBFBF"/>
-                      </a:solidFill>
-                      <a:prstDash val="solid"/>
-                      <a:round/>
-                      <a:headEnd type="none" w="med" len="med"/>
-                      <a:tailEnd type="none" w="med" len="med"/>
-                    </a:lnL>
-                    <a:lnR w="12700" cap="flat" cmpd="sng" algn="ctr">
-                      <a:solidFill>
-                        <a:srgbClr val="BFBFBF"/>
-                      </a:solidFill>
-                      <a:prstDash val="solid"/>
-                      <a:round/>
-                      <a:headEnd type="none" w="med" len="med"/>
-                      <a:tailEnd type="none" w="med" len="med"/>
-                    </a:lnR>
-                    <a:lnT w="12700" cap="flat" cmpd="sng" algn="ctr">
-                      <a:solidFill>
-                        <a:srgbClr val="BFBFBF"/>
-                      </a:solidFill>
-                      <a:prstDash val="solid"/>
-                      <a:round/>
-                      <a:headEnd type="none" w="med" len="med"/>
-                      <a:tailEnd type="none" w="med" len="med"/>
-                    </a:lnT>
-                    <a:lnB w="12700" cap="flat" cmpd="sng" algn="ctr">
-                      <a:solidFill>
-                        <a:srgbClr val="BFBFBF"/>
-                      </a:solidFill>
-                      <a:prstDash val="solid"/>
-                      <a:round/>
-                      <a:headEnd type="none" w="med" len="med"/>
-                      <a:tailEnd type="none" w="med" len="med"/>
-                    </a:lnB>
-                  </a:tcPr>
+                  <a:tcPr marL="68580" marR="68580" marT="0" marB="0"/>
                 </a:tc>
                 <a:tc>
                   <a:txBody>
@@ -4823,11 +4710,8 @@
                         </a:spcAft>
                       </a:pPr>
                       <a:r>
-                        <a:rPr lang="en-US" sz="2000" b="1">
+                        <a:rPr lang="en-US" sz="2000">
                           <a:effectLst/>
-                          <a:latin typeface="+mj-lt"/>
-                          <a:ea typeface="Calibri" panose="020F0502020204030204" pitchFamily="34" charset="0"/>
-                          <a:cs typeface="Times New Roman" panose="02020603050405020304" pitchFamily="18" charset="0"/>
                         </a:rPr>
                         <a:t>Recall</a:t>
                       </a:r>
@@ -4839,44 +4723,7 @@
                       </a:endParaRPr>
                     </a:p>
                   </a:txBody>
-                  <a:tcPr marL="68580" marR="68580" marT="0" marB="0">
-                    <a:lnL w="12700" cap="flat" cmpd="sng" algn="ctr">
-                      <a:solidFill>
-                        <a:srgbClr val="BFBFBF"/>
-                      </a:solidFill>
-                      <a:prstDash val="solid"/>
-                      <a:round/>
-                      <a:headEnd type="none" w="med" len="med"/>
-                      <a:tailEnd type="none" w="med" len="med"/>
-                    </a:lnL>
-                    <a:lnR w="12700" cap="flat" cmpd="sng" algn="ctr">
-                      <a:solidFill>
-                        <a:srgbClr val="BFBFBF"/>
-                      </a:solidFill>
-                      <a:prstDash val="solid"/>
-                      <a:round/>
-                      <a:headEnd type="none" w="med" len="med"/>
-                      <a:tailEnd type="none" w="med" len="med"/>
-                    </a:lnR>
-                    <a:lnT w="12700" cap="flat" cmpd="sng" algn="ctr">
-                      <a:solidFill>
-                        <a:srgbClr val="BFBFBF"/>
-                      </a:solidFill>
-                      <a:prstDash val="solid"/>
-                      <a:round/>
-                      <a:headEnd type="none" w="med" len="med"/>
-                      <a:tailEnd type="none" w="med" len="med"/>
-                    </a:lnT>
-                    <a:lnB w="12700" cap="flat" cmpd="sng" algn="ctr">
-                      <a:solidFill>
-                        <a:srgbClr val="BFBFBF"/>
-                      </a:solidFill>
-                      <a:prstDash val="solid"/>
-                      <a:round/>
-                      <a:headEnd type="none" w="med" len="med"/>
-                      <a:tailEnd type="none" w="med" len="med"/>
-                    </a:lnB>
-                  </a:tcPr>
+                  <a:tcPr marL="68580" marR="68580" marT="0" marB="0"/>
                 </a:tc>
                 <a:tc>
                   <a:txBody>
@@ -4892,11 +4739,8 @@
                         </a:spcAft>
                       </a:pPr>
                       <a:r>
-                        <a:rPr lang="en-US" sz="2000" b="1">
+                        <a:rPr lang="en-US" sz="2000">
                           <a:effectLst/>
-                          <a:latin typeface="+mj-lt"/>
-                          <a:ea typeface="Calibri" panose="020F0502020204030204" pitchFamily="34" charset="0"/>
-                          <a:cs typeface="Times New Roman" panose="02020603050405020304" pitchFamily="18" charset="0"/>
                         </a:rPr>
                         <a:t>F1-score</a:t>
                       </a:r>
@@ -4908,44 +4752,7 @@
                       </a:endParaRPr>
                     </a:p>
                   </a:txBody>
-                  <a:tcPr marL="68580" marR="68580" marT="0" marB="0">
-                    <a:lnL w="12700" cap="flat" cmpd="sng" algn="ctr">
-                      <a:solidFill>
-                        <a:srgbClr val="BFBFBF"/>
-                      </a:solidFill>
-                      <a:prstDash val="solid"/>
-                      <a:round/>
-                      <a:headEnd type="none" w="med" len="med"/>
-                      <a:tailEnd type="none" w="med" len="med"/>
-                    </a:lnL>
-                    <a:lnR w="12700" cap="flat" cmpd="sng" algn="ctr">
-                      <a:solidFill>
-                        <a:srgbClr val="BFBFBF"/>
-                      </a:solidFill>
-                      <a:prstDash val="solid"/>
-                      <a:round/>
-                      <a:headEnd type="none" w="med" len="med"/>
-                      <a:tailEnd type="none" w="med" len="med"/>
-                    </a:lnR>
-                    <a:lnT w="12700" cap="flat" cmpd="sng" algn="ctr">
-                      <a:solidFill>
-                        <a:srgbClr val="BFBFBF"/>
-                      </a:solidFill>
-                      <a:prstDash val="solid"/>
-                      <a:round/>
-                      <a:headEnd type="none" w="med" len="med"/>
-                      <a:tailEnd type="none" w="med" len="med"/>
-                    </a:lnT>
-                    <a:lnB w="12700" cap="flat" cmpd="sng" algn="ctr">
-                      <a:solidFill>
-                        <a:srgbClr val="BFBFBF"/>
-                      </a:solidFill>
-                      <a:prstDash val="solid"/>
-                      <a:round/>
-                      <a:headEnd type="none" w="med" len="med"/>
-                      <a:tailEnd type="none" w="med" len="med"/>
-                    </a:lnB>
-                  </a:tcPr>
+                  <a:tcPr marL="68580" marR="68580" marT="0" marB="0"/>
                 </a:tc>
                 <a:extLst>
                   <a:ext uri="{0D108BD9-81ED-4DB2-BD59-A6C34878D82A}">
@@ -4968,11 +4775,8 @@
                         </a:spcAft>
                       </a:pPr>
                       <a:r>
-                        <a:rPr lang="en-US" sz="2000" b="1">
+                        <a:rPr lang="en-US" sz="2000">
                           <a:effectLst/>
-                          <a:latin typeface="+mj-lt"/>
-                          <a:ea typeface="Calibri" panose="020F0502020204030204" pitchFamily="34" charset="0"/>
-                          <a:cs typeface="Times New Roman" panose="02020603050405020304" pitchFamily="18" charset="0"/>
                         </a:rPr>
                         <a:t>kNN</a:t>
                       </a:r>
@@ -4984,47 +4788,7 @@
                       </a:endParaRPr>
                     </a:p>
                   </a:txBody>
-                  <a:tcPr marL="68580" marR="68580" marT="0" marB="0">
-                    <a:lnL w="12700" cap="flat" cmpd="sng" algn="ctr">
-                      <a:solidFill>
-                        <a:srgbClr val="BFBFBF"/>
-                      </a:solidFill>
-                      <a:prstDash val="solid"/>
-                      <a:round/>
-                      <a:headEnd type="none" w="med" len="med"/>
-                      <a:tailEnd type="none" w="med" len="med"/>
-                    </a:lnL>
-                    <a:lnR w="12700" cap="flat" cmpd="sng" algn="ctr">
-                      <a:solidFill>
-                        <a:srgbClr val="BFBFBF"/>
-                      </a:solidFill>
-                      <a:prstDash val="solid"/>
-                      <a:round/>
-                      <a:headEnd type="none" w="med" len="med"/>
-                      <a:tailEnd type="none" w="med" len="med"/>
-                    </a:lnR>
-                    <a:lnT w="12700" cap="flat" cmpd="sng" algn="ctr">
-                      <a:solidFill>
-                        <a:srgbClr val="BFBFBF"/>
-                      </a:solidFill>
-                      <a:prstDash val="solid"/>
-                      <a:round/>
-                      <a:headEnd type="none" w="med" len="med"/>
-                      <a:tailEnd type="none" w="med" len="med"/>
-                    </a:lnT>
-                    <a:lnB w="12700" cap="flat" cmpd="sng" algn="ctr">
-                      <a:solidFill>
-                        <a:srgbClr val="BFBFBF"/>
-                      </a:solidFill>
-                      <a:prstDash val="solid"/>
-                      <a:round/>
-                      <a:headEnd type="none" w="med" len="med"/>
-                      <a:tailEnd type="none" w="med" len="med"/>
-                    </a:lnB>
-                    <a:solidFill>
-                      <a:srgbClr val="F2F2F2"/>
-                    </a:solidFill>
-                  </a:tcPr>
+                  <a:tcPr marL="68580" marR="68580" marT="0" marB="0"/>
                 </a:tc>
                 <a:tc>
                   <a:txBody>
@@ -5041,13 +4805,7 @@
                       </a:pPr>
                       <a:r>
                         <a:rPr lang="en-US" sz="2000" dirty="0">
-                          <a:solidFill>
-                            <a:srgbClr val="FF0000"/>
-                          </a:solidFill>
                           <a:effectLst/>
-                          <a:latin typeface="+mj-lt"/>
-                          <a:ea typeface="Calibri" panose="020F0502020204030204" pitchFamily="34" charset="0"/>
-                          <a:cs typeface="Times New Roman" panose="02020603050405020304" pitchFamily="18" charset="0"/>
                         </a:rPr>
                         <a:t>57 %</a:t>
                       </a:r>
@@ -5059,47 +4817,7 @@
                       </a:endParaRPr>
                     </a:p>
                   </a:txBody>
-                  <a:tcPr marL="68580" marR="68580" marT="0" marB="0">
-                    <a:lnL w="12700" cap="flat" cmpd="sng" algn="ctr">
-                      <a:solidFill>
-                        <a:srgbClr val="BFBFBF"/>
-                      </a:solidFill>
-                      <a:prstDash val="solid"/>
-                      <a:round/>
-                      <a:headEnd type="none" w="med" len="med"/>
-                      <a:tailEnd type="none" w="med" len="med"/>
-                    </a:lnL>
-                    <a:lnR w="12700" cap="flat" cmpd="sng" algn="ctr">
-                      <a:solidFill>
-                        <a:srgbClr val="BFBFBF"/>
-                      </a:solidFill>
-                      <a:prstDash val="solid"/>
-                      <a:round/>
-                      <a:headEnd type="none" w="med" len="med"/>
-                      <a:tailEnd type="none" w="med" len="med"/>
-                    </a:lnR>
-                    <a:lnT w="12700" cap="flat" cmpd="sng" algn="ctr">
-                      <a:solidFill>
-                        <a:srgbClr val="BFBFBF"/>
-                      </a:solidFill>
-                      <a:prstDash val="solid"/>
-                      <a:round/>
-                      <a:headEnd type="none" w="med" len="med"/>
-                      <a:tailEnd type="none" w="med" len="med"/>
-                    </a:lnT>
-                    <a:lnB w="12700" cap="flat" cmpd="sng" algn="ctr">
-                      <a:solidFill>
-                        <a:srgbClr val="BFBFBF"/>
-                      </a:solidFill>
-                      <a:prstDash val="solid"/>
-                      <a:round/>
-                      <a:headEnd type="none" w="med" len="med"/>
-                      <a:tailEnd type="none" w="med" len="med"/>
-                    </a:lnB>
-                    <a:solidFill>
-                      <a:srgbClr val="F2F2F2"/>
-                    </a:solidFill>
-                  </a:tcPr>
+                  <a:tcPr marL="68580" marR="68580" marT="0" marB="0"/>
                 </a:tc>
                 <a:tc>
                   <a:txBody>
@@ -5116,13 +4834,7 @@
                       </a:pPr>
                       <a:r>
                         <a:rPr lang="en-US" sz="2000">
-                          <a:solidFill>
-                            <a:srgbClr val="FF0000"/>
-                          </a:solidFill>
                           <a:effectLst/>
-                          <a:latin typeface="+mj-lt"/>
-                          <a:ea typeface="Calibri" panose="020F0502020204030204" pitchFamily="34" charset="0"/>
-                          <a:cs typeface="Times New Roman" panose="02020603050405020304" pitchFamily="18" charset="0"/>
                         </a:rPr>
                         <a:t>58 %</a:t>
                       </a:r>
@@ -5134,47 +4846,7 @@
                       </a:endParaRPr>
                     </a:p>
                   </a:txBody>
-                  <a:tcPr marL="68580" marR="68580" marT="0" marB="0">
-                    <a:lnL w="12700" cap="flat" cmpd="sng" algn="ctr">
-                      <a:solidFill>
-                        <a:srgbClr val="BFBFBF"/>
-                      </a:solidFill>
-                      <a:prstDash val="solid"/>
-                      <a:round/>
-                      <a:headEnd type="none" w="med" len="med"/>
-                      <a:tailEnd type="none" w="med" len="med"/>
-                    </a:lnL>
-                    <a:lnR w="12700" cap="flat" cmpd="sng" algn="ctr">
-                      <a:solidFill>
-                        <a:srgbClr val="BFBFBF"/>
-                      </a:solidFill>
-                      <a:prstDash val="solid"/>
-                      <a:round/>
-                      <a:headEnd type="none" w="med" len="med"/>
-                      <a:tailEnd type="none" w="med" len="med"/>
-                    </a:lnR>
-                    <a:lnT w="12700" cap="flat" cmpd="sng" algn="ctr">
-                      <a:solidFill>
-                        <a:srgbClr val="BFBFBF"/>
-                      </a:solidFill>
-                      <a:prstDash val="solid"/>
-                      <a:round/>
-                      <a:headEnd type="none" w="med" len="med"/>
-                      <a:tailEnd type="none" w="med" len="med"/>
-                    </a:lnT>
-                    <a:lnB w="12700" cap="flat" cmpd="sng" algn="ctr">
-                      <a:solidFill>
-                        <a:srgbClr val="BFBFBF"/>
-                      </a:solidFill>
-                      <a:prstDash val="solid"/>
-                      <a:round/>
-                      <a:headEnd type="none" w="med" len="med"/>
-                      <a:tailEnd type="none" w="med" len="med"/>
-                    </a:lnB>
-                    <a:solidFill>
-                      <a:srgbClr val="F2F2F2"/>
-                    </a:solidFill>
-                  </a:tcPr>
+                  <a:tcPr marL="68580" marR="68580" marT="0" marB="0"/>
                 </a:tc>
                 <a:tc>
                   <a:txBody>
@@ -5191,13 +4863,7 @@
                       </a:pPr>
                       <a:r>
                         <a:rPr lang="en-US" sz="2000">
-                          <a:solidFill>
-                            <a:srgbClr val="FF0000"/>
-                          </a:solidFill>
                           <a:effectLst/>
-                          <a:latin typeface="+mj-lt"/>
-                          <a:ea typeface="Calibri" panose="020F0502020204030204" pitchFamily="34" charset="0"/>
-                          <a:cs typeface="Times New Roman" panose="02020603050405020304" pitchFamily="18" charset="0"/>
                         </a:rPr>
                         <a:t>58 %</a:t>
                       </a:r>
@@ -5209,47 +4875,7 @@
                       </a:endParaRPr>
                     </a:p>
                   </a:txBody>
-                  <a:tcPr marL="68580" marR="68580" marT="0" marB="0">
-                    <a:lnL w="12700" cap="flat" cmpd="sng" algn="ctr">
-                      <a:solidFill>
-                        <a:srgbClr val="BFBFBF"/>
-                      </a:solidFill>
-                      <a:prstDash val="solid"/>
-                      <a:round/>
-                      <a:headEnd type="none" w="med" len="med"/>
-                      <a:tailEnd type="none" w="med" len="med"/>
-                    </a:lnL>
-                    <a:lnR w="12700" cap="flat" cmpd="sng" algn="ctr">
-                      <a:solidFill>
-                        <a:srgbClr val="BFBFBF"/>
-                      </a:solidFill>
-                      <a:prstDash val="solid"/>
-                      <a:round/>
-                      <a:headEnd type="none" w="med" len="med"/>
-                      <a:tailEnd type="none" w="med" len="med"/>
-                    </a:lnR>
-                    <a:lnT w="12700" cap="flat" cmpd="sng" algn="ctr">
-                      <a:solidFill>
-                        <a:srgbClr val="BFBFBF"/>
-                      </a:solidFill>
-                      <a:prstDash val="solid"/>
-                      <a:round/>
-                      <a:headEnd type="none" w="med" len="med"/>
-                      <a:tailEnd type="none" w="med" len="med"/>
-                    </a:lnT>
-                    <a:lnB w="12700" cap="flat" cmpd="sng" algn="ctr">
-                      <a:solidFill>
-                        <a:srgbClr val="BFBFBF"/>
-                      </a:solidFill>
-                      <a:prstDash val="solid"/>
-                      <a:round/>
-                      <a:headEnd type="none" w="med" len="med"/>
-                      <a:tailEnd type="none" w="med" len="med"/>
-                    </a:lnB>
-                    <a:solidFill>
-                      <a:srgbClr val="F2F2F2"/>
-                    </a:solidFill>
-                  </a:tcPr>
+                  <a:tcPr marL="68580" marR="68580" marT="0" marB="0"/>
                 </a:tc>
                 <a:tc>
                   <a:txBody>
@@ -5266,13 +4892,7 @@
                       </a:pPr>
                       <a:r>
                         <a:rPr lang="en-US" sz="2000">
-                          <a:solidFill>
-                            <a:srgbClr val="FF0000"/>
-                          </a:solidFill>
                           <a:effectLst/>
-                          <a:latin typeface="+mj-lt"/>
-                          <a:ea typeface="Calibri" panose="020F0502020204030204" pitchFamily="34" charset="0"/>
-                          <a:cs typeface="Times New Roman" panose="02020603050405020304" pitchFamily="18" charset="0"/>
                         </a:rPr>
                         <a:t>58 %</a:t>
                       </a:r>
@@ -5284,47 +4904,7 @@
                       </a:endParaRPr>
                     </a:p>
                   </a:txBody>
-                  <a:tcPr marL="68580" marR="68580" marT="0" marB="0">
-                    <a:lnL w="12700" cap="flat" cmpd="sng" algn="ctr">
-                      <a:solidFill>
-                        <a:srgbClr val="BFBFBF"/>
-                      </a:solidFill>
-                      <a:prstDash val="solid"/>
-                      <a:round/>
-                      <a:headEnd type="none" w="med" len="med"/>
-                      <a:tailEnd type="none" w="med" len="med"/>
-                    </a:lnL>
-                    <a:lnR w="12700" cap="flat" cmpd="sng" algn="ctr">
-                      <a:solidFill>
-                        <a:srgbClr val="BFBFBF"/>
-                      </a:solidFill>
-                      <a:prstDash val="solid"/>
-                      <a:round/>
-                      <a:headEnd type="none" w="med" len="med"/>
-                      <a:tailEnd type="none" w="med" len="med"/>
-                    </a:lnR>
-                    <a:lnT w="12700" cap="flat" cmpd="sng" algn="ctr">
-                      <a:solidFill>
-                        <a:srgbClr val="BFBFBF"/>
-                      </a:solidFill>
-                      <a:prstDash val="solid"/>
-                      <a:round/>
-                      <a:headEnd type="none" w="med" len="med"/>
-                      <a:tailEnd type="none" w="med" len="med"/>
-                    </a:lnT>
-                    <a:lnB w="12700" cap="flat" cmpd="sng" algn="ctr">
-                      <a:solidFill>
-                        <a:srgbClr val="BFBFBF"/>
-                      </a:solidFill>
-                      <a:prstDash val="solid"/>
-                      <a:round/>
-                      <a:headEnd type="none" w="med" len="med"/>
-                      <a:tailEnd type="none" w="med" len="med"/>
-                    </a:lnB>
-                    <a:solidFill>
-                      <a:srgbClr val="F2F2F2"/>
-                    </a:solidFill>
-                  </a:tcPr>
+                  <a:tcPr marL="68580" marR="68580" marT="0" marB="0"/>
                 </a:tc>
                 <a:extLst>
                   <a:ext uri="{0D108BD9-81ED-4DB2-BD59-A6C34878D82A}">
@@ -5347,11 +4927,8 @@
                         </a:spcAft>
                       </a:pPr>
                       <a:r>
-                        <a:rPr lang="en-US" sz="2000" b="1">
+                        <a:rPr lang="en-US" sz="2000">
                           <a:effectLst/>
-                          <a:latin typeface="+mj-lt"/>
-                          <a:ea typeface="Calibri" panose="020F0502020204030204" pitchFamily="34" charset="0"/>
-                          <a:cs typeface="Times New Roman" panose="02020603050405020304" pitchFamily="18" charset="0"/>
                         </a:rPr>
                         <a:t>SVM</a:t>
                       </a:r>
@@ -5363,44 +4940,7 @@
                       </a:endParaRPr>
                     </a:p>
                   </a:txBody>
-                  <a:tcPr marL="68580" marR="68580" marT="0" marB="0">
-                    <a:lnL w="12700" cap="flat" cmpd="sng" algn="ctr">
-                      <a:solidFill>
-                        <a:srgbClr val="BFBFBF"/>
-                      </a:solidFill>
-                      <a:prstDash val="solid"/>
-                      <a:round/>
-                      <a:headEnd type="none" w="med" len="med"/>
-                      <a:tailEnd type="none" w="med" len="med"/>
-                    </a:lnL>
-                    <a:lnR w="12700" cap="flat" cmpd="sng" algn="ctr">
-                      <a:solidFill>
-                        <a:srgbClr val="BFBFBF"/>
-                      </a:solidFill>
-                      <a:prstDash val="solid"/>
-                      <a:round/>
-                      <a:headEnd type="none" w="med" len="med"/>
-                      <a:tailEnd type="none" w="med" len="med"/>
-                    </a:lnR>
-                    <a:lnT w="12700" cap="flat" cmpd="sng" algn="ctr">
-                      <a:solidFill>
-                        <a:srgbClr val="BFBFBF"/>
-                      </a:solidFill>
-                      <a:prstDash val="solid"/>
-                      <a:round/>
-                      <a:headEnd type="none" w="med" len="med"/>
-                      <a:tailEnd type="none" w="med" len="med"/>
-                    </a:lnT>
-                    <a:lnB w="12700" cap="flat" cmpd="sng" algn="ctr">
-                      <a:solidFill>
-                        <a:srgbClr val="BFBFBF"/>
-                      </a:solidFill>
-                      <a:prstDash val="solid"/>
-                      <a:round/>
-                      <a:headEnd type="none" w="med" len="med"/>
-                      <a:tailEnd type="none" w="med" len="med"/>
-                    </a:lnB>
-                  </a:tcPr>
+                  <a:tcPr marL="68580" marR="68580" marT="0" marB="0"/>
                 </a:tc>
                 <a:tc>
                   <a:txBody>
@@ -5418,9 +4958,6 @@
                       <a:r>
                         <a:rPr lang="en-US" sz="2000">
                           <a:effectLst/>
-                          <a:latin typeface="+mj-lt"/>
-                          <a:ea typeface="Calibri" panose="020F0502020204030204" pitchFamily="34" charset="0"/>
-                          <a:cs typeface="Times New Roman" panose="02020603050405020304" pitchFamily="18" charset="0"/>
                         </a:rPr>
                         <a:t>65 %</a:t>
                       </a:r>
@@ -5432,44 +4969,7 @@
                       </a:endParaRPr>
                     </a:p>
                   </a:txBody>
-                  <a:tcPr marL="68580" marR="68580" marT="0" marB="0">
-                    <a:lnL w="12700" cap="flat" cmpd="sng" algn="ctr">
-                      <a:solidFill>
-                        <a:srgbClr val="BFBFBF"/>
-                      </a:solidFill>
-                      <a:prstDash val="solid"/>
-                      <a:round/>
-                      <a:headEnd type="none" w="med" len="med"/>
-                      <a:tailEnd type="none" w="med" len="med"/>
-                    </a:lnL>
-                    <a:lnR w="12700" cap="flat" cmpd="sng" algn="ctr">
-                      <a:solidFill>
-                        <a:srgbClr val="BFBFBF"/>
-                      </a:solidFill>
-                      <a:prstDash val="solid"/>
-                      <a:round/>
-                      <a:headEnd type="none" w="med" len="med"/>
-                      <a:tailEnd type="none" w="med" len="med"/>
-                    </a:lnR>
-                    <a:lnT w="12700" cap="flat" cmpd="sng" algn="ctr">
-                      <a:solidFill>
-                        <a:srgbClr val="BFBFBF"/>
-                      </a:solidFill>
-                      <a:prstDash val="solid"/>
-                      <a:round/>
-                      <a:headEnd type="none" w="med" len="med"/>
-                      <a:tailEnd type="none" w="med" len="med"/>
-                    </a:lnT>
-                    <a:lnB w="12700" cap="flat" cmpd="sng" algn="ctr">
-                      <a:solidFill>
-                        <a:srgbClr val="BFBFBF"/>
-                      </a:solidFill>
-                      <a:prstDash val="solid"/>
-                      <a:round/>
-                      <a:headEnd type="none" w="med" len="med"/>
-                      <a:tailEnd type="none" w="med" len="med"/>
-                    </a:lnB>
-                  </a:tcPr>
+                  <a:tcPr marL="68580" marR="68580" marT="0" marB="0"/>
                 </a:tc>
                 <a:tc>
                   <a:txBody>
@@ -5487,9 +4987,6 @@
                       <a:r>
                         <a:rPr lang="en-US" sz="2000">
                           <a:effectLst/>
-                          <a:latin typeface="+mj-lt"/>
-                          <a:ea typeface="Calibri" panose="020F0502020204030204" pitchFamily="34" charset="0"/>
-                          <a:cs typeface="Times New Roman" panose="02020603050405020304" pitchFamily="18" charset="0"/>
                         </a:rPr>
                         <a:t>67 %</a:t>
                       </a:r>
@@ -5501,44 +4998,7 @@
                       </a:endParaRPr>
                     </a:p>
                   </a:txBody>
-                  <a:tcPr marL="68580" marR="68580" marT="0" marB="0">
-                    <a:lnL w="12700" cap="flat" cmpd="sng" algn="ctr">
-                      <a:solidFill>
-                        <a:srgbClr val="BFBFBF"/>
-                      </a:solidFill>
-                      <a:prstDash val="solid"/>
-                      <a:round/>
-                      <a:headEnd type="none" w="med" len="med"/>
-                      <a:tailEnd type="none" w="med" len="med"/>
-                    </a:lnL>
-                    <a:lnR w="12700" cap="flat" cmpd="sng" algn="ctr">
-                      <a:solidFill>
-                        <a:srgbClr val="BFBFBF"/>
-                      </a:solidFill>
-                      <a:prstDash val="solid"/>
-                      <a:round/>
-                      <a:headEnd type="none" w="med" len="med"/>
-                      <a:tailEnd type="none" w="med" len="med"/>
-                    </a:lnR>
-                    <a:lnT w="12700" cap="flat" cmpd="sng" algn="ctr">
-                      <a:solidFill>
-                        <a:srgbClr val="BFBFBF"/>
-                      </a:solidFill>
-                      <a:prstDash val="solid"/>
-                      <a:round/>
-                      <a:headEnd type="none" w="med" len="med"/>
-                      <a:tailEnd type="none" w="med" len="med"/>
-                    </a:lnT>
-                    <a:lnB w="12700" cap="flat" cmpd="sng" algn="ctr">
-                      <a:solidFill>
-                        <a:srgbClr val="BFBFBF"/>
-                      </a:solidFill>
-                      <a:prstDash val="solid"/>
-                      <a:round/>
-                      <a:headEnd type="none" w="med" len="med"/>
-                      <a:tailEnd type="none" w="med" len="med"/>
-                    </a:lnB>
-                  </a:tcPr>
+                  <a:tcPr marL="68580" marR="68580" marT="0" marB="0"/>
                 </a:tc>
                 <a:tc>
                   <a:txBody>
@@ -5556,9 +5016,6 @@
                       <a:r>
                         <a:rPr lang="en-US" sz="2000">
                           <a:effectLst/>
-                          <a:latin typeface="+mj-lt"/>
-                          <a:ea typeface="Calibri" panose="020F0502020204030204" pitchFamily="34" charset="0"/>
-                          <a:cs typeface="Times New Roman" panose="02020603050405020304" pitchFamily="18" charset="0"/>
                         </a:rPr>
                         <a:t>67 %</a:t>
                       </a:r>
@@ -5570,44 +5027,7 @@
                       </a:endParaRPr>
                     </a:p>
                   </a:txBody>
-                  <a:tcPr marL="68580" marR="68580" marT="0" marB="0">
-                    <a:lnL w="12700" cap="flat" cmpd="sng" algn="ctr">
-                      <a:solidFill>
-                        <a:srgbClr val="BFBFBF"/>
-                      </a:solidFill>
-                      <a:prstDash val="solid"/>
-                      <a:round/>
-                      <a:headEnd type="none" w="med" len="med"/>
-                      <a:tailEnd type="none" w="med" len="med"/>
-                    </a:lnL>
-                    <a:lnR w="12700" cap="flat" cmpd="sng" algn="ctr">
-                      <a:solidFill>
-                        <a:srgbClr val="BFBFBF"/>
-                      </a:solidFill>
-                      <a:prstDash val="solid"/>
-                      <a:round/>
-                      <a:headEnd type="none" w="med" len="med"/>
-                      <a:tailEnd type="none" w="med" len="med"/>
-                    </a:lnR>
-                    <a:lnT w="12700" cap="flat" cmpd="sng" algn="ctr">
-                      <a:solidFill>
-                        <a:srgbClr val="BFBFBF"/>
-                      </a:solidFill>
-                      <a:prstDash val="solid"/>
-                      <a:round/>
-                      <a:headEnd type="none" w="med" len="med"/>
-                      <a:tailEnd type="none" w="med" len="med"/>
-                    </a:lnT>
-                    <a:lnB w="12700" cap="flat" cmpd="sng" algn="ctr">
-                      <a:solidFill>
-                        <a:srgbClr val="BFBFBF"/>
-                      </a:solidFill>
-                      <a:prstDash val="solid"/>
-                      <a:round/>
-                      <a:headEnd type="none" w="med" len="med"/>
-                      <a:tailEnd type="none" w="med" len="med"/>
-                    </a:lnB>
-                  </a:tcPr>
+                  <a:tcPr marL="68580" marR="68580" marT="0" marB="0"/>
                 </a:tc>
                 <a:tc>
                   <a:txBody>
@@ -5625,9 +5045,6 @@
                       <a:r>
                         <a:rPr lang="en-US" sz="2000">
                           <a:effectLst/>
-                          <a:latin typeface="+mj-lt"/>
-                          <a:ea typeface="Calibri" panose="020F0502020204030204" pitchFamily="34" charset="0"/>
-                          <a:cs typeface="Times New Roman" panose="02020603050405020304" pitchFamily="18" charset="0"/>
                         </a:rPr>
                         <a:t>67 %</a:t>
                       </a:r>
@@ -5639,44 +5056,7 @@
                       </a:endParaRPr>
                     </a:p>
                   </a:txBody>
-                  <a:tcPr marL="68580" marR="68580" marT="0" marB="0">
-                    <a:lnL w="12700" cap="flat" cmpd="sng" algn="ctr">
-                      <a:solidFill>
-                        <a:srgbClr val="BFBFBF"/>
-                      </a:solidFill>
-                      <a:prstDash val="solid"/>
-                      <a:round/>
-                      <a:headEnd type="none" w="med" len="med"/>
-                      <a:tailEnd type="none" w="med" len="med"/>
-                    </a:lnL>
-                    <a:lnR w="12700" cap="flat" cmpd="sng" algn="ctr">
-                      <a:solidFill>
-                        <a:srgbClr val="BFBFBF"/>
-                      </a:solidFill>
-                      <a:prstDash val="solid"/>
-                      <a:round/>
-                      <a:headEnd type="none" w="med" len="med"/>
-                      <a:tailEnd type="none" w="med" len="med"/>
-                    </a:lnR>
-                    <a:lnT w="12700" cap="flat" cmpd="sng" algn="ctr">
-                      <a:solidFill>
-                        <a:srgbClr val="BFBFBF"/>
-                      </a:solidFill>
-                      <a:prstDash val="solid"/>
-                      <a:round/>
-                      <a:headEnd type="none" w="med" len="med"/>
-                      <a:tailEnd type="none" w="med" len="med"/>
-                    </a:lnT>
-                    <a:lnB w="12700" cap="flat" cmpd="sng" algn="ctr">
-                      <a:solidFill>
-                        <a:srgbClr val="BFBFBF"/>
-                      </a:solidFill>
-                      <a:prstDash val="solid"/>
-                      <a:round/>
-                      <a:headEnd type="none" w="med" len="med"/>
-                      <a:tailEnd type="none" w="med" len="med"/>
-                    </a:lnB>
-                  </a:tcPr>
+                  <a:tcPr marL="68580" marR="68580" marT="0" marB="0"/>
                 </a:tc>
                 <a:extLst>
                   <a:ext uri="{0D108BD9-81ED-4DB2-BD59-A6C34878D82A}">
@@ -5699,11 +5079,8 @@
                         </a:spcAft>
                       </a:pPr>
                       <a:r>
-                        <a:rPr lang="en-US" sz="2000" b="1">
+                        <a:rPr lang="en-US" sz="2000">
                           <a:effectLst/>
-                          <a:latin typeface="+mj-lt"/>
-                          <a:ea typeface="Calibri" panose="020F0502020204030204" pitchFamily="34" charset="0"/>
-                          <a:cs typeface="Times New Roman" panose="02020603050405020304" pitchFamily="18" charset="0"/>
                         </a:rPr>
                         <a:t>Decision Tree</a:t>
                       </a:r>
@@ -5715,47 +5092,7 @@
                       </a:endParaRPr>
                     </a:p>
                   </a:txBody>
-                  <a:tcPr marL="68580" marR="68580" marT="0" marB="0">
-                    <a:lnL w="12700" cap="flat" cmpd="sng" algn="ctr">
-                      <a:solidFill>
-                        <a:srgbClr val="BFBFBF"/>
-                      </a:solidFill>
-                      <a:prstDash val="solid"/>
-                      <a:round/>
-                      <a:headEnd type="none" w="med" len="med"/>
-                      <a:tailEnd type="none" w="med" len="med"/>
-                    </a:lnL>
-                    <a:lnR w="12700" cap="flat" cmpd="sng" algn="ctr">
-                      <a:solidFill>
-                        <a:srgbClr val="BFBFBF"/>
-                      </a:solidFill>
-                      <a:prstDash val="solid"/>
-                      <a:round/>
-                      <a:headEnd type="none" w="med" len="med"/>
-                      <a:tailEnd type="none" w="med" len="med"/>
-                    </a:lnR>
-                    <a:lnT w="12700" cap="flat" cmpd="sng" algn="ctr">
-                      <a:solidFill>
-                        <a:srgbClr val="BFBFBF"/>
-                      </a:solidFill>
-                      <a:prstDash val="solid"/>
-                      <a:round/>
-                      <a:headEnd type="none" w="med" len="med"/>
-                      <a:tailEnd type="none" w="med" len="med"/>
-                    </a:lnT>
-                    <a:lnB w="12700" cap="flat" cmpd="sng" algn="ctr">
-                      <a:solidFill>
-                        <a:srgbClr val="BFBFBF"/>
-                      </a:solidFill>
-                      <a:prstDash val="solid"/>
-                      <a:round/>
-                      <a:headEnd type="none" w="med" len="med"/>
-                      <a:tailEnd type="none" w="med" len="med"/>
-                    </a:lnB>
-                    <a:solidFill>
-                      <a:srgbClr val="F2F2F2"/>
-                    </a:solidFill>
-                  </a:tcPr>
+                  <a:tcPr marL="68580" marR="68580" marT="0" marB="0"/>
                 </a:tc>
                 <a:tc>
                   <a:txBody>
@@ -5772,13 +5109,7 @@
                       </a:pPr>
                       <a:r>
                         <a:rPr lang="en-US" sz="2000">
-                          <a:solidFill>
-                            <a:srgbClr val="FF0000"/>
-                          </a:solidFill>
                           <a:effectLst/>
-                          <a:latin typeface="+mj-lt"/>
-                          <a:ea typeface="Calibri" panose="020F0502020204030204" pitchFamily="34" charset="0"/>
-                          <a:cs typeface="Times New Roman" panose="02020603050405020304" pitchFamily="18" charset="0"/>
                         </a:rPr>
                         <a:t>56 %</a:t>
                       </a:r>
@@ -5790,47 +5121,7 @@
                       </a:endParaRPr>
                     </a:p>
                   </a:txBody>
-                  <a:tcPr marL="68580" marR="68580" marT="0" marB="0">
-                    <a:lnL w="12700" cap="flat" cmpd="sng" algn="ctr">
-                      <a:solidFill>
-                        <a:srgbClr val="BFBFBF"/>
-                      </a:solidFill>
-                      <a:prstDash val="solid"/>
-                      <a:round/>
-                      <a:headEnd type="none" w="med" len="med"/>
-                      <a:tailEnd type="none" w="med" len="med"/>
-                    </a:lnL>
-                    <a:lnR w="12700" cap="flat" cmpd="sng" algn="ctr">
-                      <a:solidFill>
-                        <a:srgbClr val="BFBFBF"/>
-                      </a:solidFill>
-                      <a:prstDash val="solid"/>
-                      <a:round/>
-                      <a:headEnd type="none" w="med" len="med"/>
-                      <a:tailEnd type="none" w="med" len="med"/>
-                    </a:lnR>
-                    <a:lnT w="12700" cap="flat" cmpd="sng" algn="ctr">
-                      <a:solidFill>
-                        <a:srgbClr val="BFBFBF"/>
-                      </a:solidFill>
-                      <a:prstDash val="solid"/>
-                      <a:round/>
-                      <a:headEnd type="none" w="med" len="med"/>
-                      <a:tailEnd type="none" w="med" len="med"/>
-                    </a:lnT>
-                    <a:lnB w="12700" cap="flat" cmpd="sng" algn="ctr">
-                      <a:solidFill>
-                        <a:srgbClr val="BFBFBF"/>
-                      </a:solidFill>
-                      <a:prstDash val="solid"/>
-                      <a:round/>
-                      <a:headEnd type="none" w="med" len="med"/>
-                      <a:tailEnd type="none" w="med" len="med"/>
-                    </a:lnB>
-                    <a:solidFill>
-                      <a:srgbClr val="F2F2F2"/>
-                    </a:solidFill>
-                  </a:tcPr>
+                  <a:tcPr marL="68580" marR="68580" marT="0" marB="0"/>
                 </a:tc>
                 <a:tc>
                   <a:txBody>
@@ -5847,13 +5138,7 @@
                       </a:pPr>
                       <a:r>
                         <a:rPr lang="en-US" sz="2000">
-                          <a:solidFill>
-                            <a:srgbClr val="FF0000"/>
-                          </a:solidFill>
                           <a:effectLst/>
-                          <a:latin typeface="+mj-lt"/>
-                          <a:ea typeface="Calibri" panose="020F0502020204030204" pitchFamily="34" charset="0"/>
-                          <a:cs typeface="Times New Roman" panose="02020603050405020304" pitchFamily="18" charset="0"/>
                         </a:rPr>
                         <a:t>58 %</a:t>
                       </a:r>
@@ -5865,47 +5150,7 @@
                       </a:endParaRPr>
                     </a:p>
                   </a:txBody>
-                  <a:tcPr marL="68580" marR="68580" marT="0" marB="0">
-                    <a:lnL w="12700" cap="flat" cmpd="sng" algn="ctr">
-                      <a:solidFill>
-                        <a:srgbClr val="BFBFBF"/>
-                      </a:solidFill>
-                      <a:prstDash val="solid"/>
-                      <a:round/>
-                      <a:headEnd type="none" w="med" len="med"/>
-                      <a:tailEnd type="none" w="med" len="med"/>
-                    </a:lnL>
-                    <a:lnR w="12700" cap="flat" cmpd="sng" algn="ctr">
-                      <a:solidFill>
-                        <a:srgbClr val="BFBFBF"/>
-                      </a:solidFill>
-                      <a:prstDash val="solid"/>
-                      <a:round/>
-                      <a:headEnd type="none" w="med" len="med"/>
-                      <a:tailEnd type="none" w="med" len="med"/>
-                    </a:lnR>
-                    <a:lnT w="12700" cap="flat" cmpd="sng" algn="ctr">
-                      <a:solidFill>
-                        <a:srgbClr val="BFBFBF"/>
-                      </a:solidFill>
-                      <a:prstDash val="solid"/>
-                      <a:round/>
-                      <a:headEnd type="none" w="med" len="med"/>
-                      <a:tailEnd type="none" w="med" len="med"/>
-                    </a:lnT>
-                    <a:lnB w="12700" cap="flat" cmpd="sng" algn="ctr">
-                      <a:solidFill>
-                        <a:srgbClr val="BFBFBF"/>
-                      </a:solidFill>
-                      <a:prstDash val="solid"/>
-                      <a:round/>
-                      <a:headEnd type="none" w="med" len="med"/>
-                      <a:tailEnd type="none" w="med" len="med"/>
-                    </a:lnB>
-                    <a:solidFill>
-                      <a:srgbClr val="F2F2F2"/>
-                    </a:solidFill>
-                  </a:tcPr>
+                  <a:tcPr marL="68580" marR="68580" marT="0" marB="0"/>
                 </a:tc>
                 <a:tc>
                   <a:txBody>
@@ -5922,13 +5167,7 @@
                       </a:pPr>
                       <a:r>
                         <a:rPr lang="en-US" sz="2000">
-                          <a:solidFill>
-                            <a:srgbClr val="FF0000"/>
-                          </a:solidFill>
                           <a:effectLst/>
-                          <a:latin typeface="+mj-lt"/>
-                          <a:ea typeface="Calibri" panose="020F0502020204030204" pitchFamily="34" charset="0"/>
-                          <a:cs typeface="Times New Roman" panose="02020603050405020304" pitchFamily="18" charset="0"/>
                         </a:rPr>
                         <a:t>58 %</a:t>
                       </a:r>
@@ -5940,47 +5179,7 @@
                       </a:endParaRPr>
                     </a:p>
                   </a:txBody>
-                  <a:tcPr marL="68580" marR="68580" marT="0" marB="0">
-                    <a:lnL w="12700" cap="flat" cmpd="sng" algn="ctr">
-                      <a:solidFill>
-                        <a:srgbClr val="BFBFBF"/>
-                      </a:solidFill>
-                      <a:prstDash val="solid"/>
-                      <a:round/>
-                      <a:headEnd type="none" w="med" len="med"/>
-                      <a:tailEnd type="none" w="med" len="med"/>
-                    </a:lnL>
-                    <a:lnR w="12700" cap="flat" cmpd="sng" algn="ctr">
-                      <a:solidFill>
-                        <a:srgbClr val="BFBFBF"/>
-                      </a:solidFill>
-                      <a:prstDash val="solid"/>
-                      <a:round/>
-                      <a:headEnd type="none" w="med" len="med"/>
-                      <a:tailEnd type="none" w="med" len="med"/>
-                    </a:lnR>
-                    <a:lnT w="12700" cap="flat" cmpd="sng" algn="ctr">
-                      <a:solidFill>
-                        <a:srgbClr val="BFBFBF"/>
-                      </a:solidFill>
-                      <a:prstDash val="solid"/>
-                      <a:round/>
-                      <a:headEnd type="none" w="med" len="med"/>
-                      <a:tailEnd type="none" w="med" len="med"/>
-                    </a:lnT>
-                    <a:lnB w="12700" cap="flat" cmpd="sng" algn="ctr">
-                      <a:solidFill>
-                        <a:srgbClr val="BFBFBF"/>
-                      </a:solidFill>
-                      <a:prstDash val="solid"/>
-                      <a:round/>
-                      <a:headEnd type="none" w="med" len="med"/>
-                      <a:tailEnd type="none" w="med" len="med"/>
-                    </a:lnB>
-                    <a:solidFill>
-                      <a:srgbClr val="F2F2F2"/>
-                    </a:solidFill>
-                  </a:tcPr>
+                  <a:tcPr marL="68580" marR="68580" marT="0" marB="0"/>
                 </a:tc>
                 <a:tc>
                   <a:txBody>
@@ -5997,13 +5196,7 @@
                       </a:pPr>
                       <a:r>
                         <a:rPr lang="en-US" sz="2000">
-                          <a:solidFill>
-                            <a:srgbClr val="FF0000"/>
-                          </a:solidFill>
                           <a:effectLst/>
-                          <a:latin typeface="+mj-lt"/>
-                          <a:ea typeface="Calibri" panose="020F0502020204030204" pitchFamily="34" charset="0"/>
-                          <a:cs typeface="Times New Roman" panose="02020603050405020304" pitchFamily="18" charset="0"/>
                         </a:rPr>
                         <a:t>58 %</a:t>
                       </a:r>
@@ -6015,47 +5208,7 @@
                       </a:endParaRPr>
                     </a:p>
                   </a:txBody>
-                  <a:tcPr marL="68580" marR="68580" marT="0" marB="0">
-                    <a:lnL w="12700" cap="flat" cmpd="sng" algn="ctr">
-                      <a:solidFill>
-                        <a:srgbClr val="BFBFBF"/>
-                      </a:solidFill>
-                      <a:prstDash val="solid"/>
-                      <a:round/>
-                      <a:headEnd type="none" w="med" len="med"/>
-                      <a:tailEnd type="none" w="med" len="med"/>
-                    </a:lnL>
-                    <a:lnR w="12700" cap="flat" cmpd="sng" algn="ctr">
-                      <a:solidFill>
-                        <a:srgbClr val="BFBFBF"/>
-                      </a:solidFill>
-                      <a:prstDash val="solid"/>
-                      <a:round/>
-                      <a:headEnd type="none" w="med" len="med"/>
-                      <a:tailEnd type="none" w="med" len="med"/>
-                    </a:lnR>
-                    <a:lnT w="12700" cap="flat" cmpd="sng" algn="ctr">
-                      <a:solidFill>
-                        <a:srgbClr val="BFBFBF"/>
-                      </a:solidFill>
-                      <a:prstDash val="solid"/>
-                      <a:round/>
-                      <a:headEnd type="none" w="med" len="med"/>
-                      <a:tailEnd type="none" w="med" len="med"/>
-                    </a:lnT>
-                    <a:lnB w="12700" cap="flat" cmpd="sng" algn="ctr">
-                      <a:solidFill>
-                        <a:srgbClr val="BFBFBF"/>
-                      </a:solidFill>
-                      <a:prstDash val="solid"/>
-                      <a:round/>
-                      <a:headEnd type="none" w="med" len="med"/>
-                      <a:tailEnd type="none" w="med" len="med"/>
-                    </a:lnB>
-                    <a:solidFill>
-                      <a:srgbClr val="F2F2F2"/>
-                    </a:solidFill>
-                  </a:tcPr>
+                  <a:tcPr marL="68580" marR="68580" marT="0" marB="0"/>
                 </a:tc>
                 <a:extLst>
                   <a:ext uri="{0D108BD9-81ED-4DB2-BD59-A6C34878D82A}">
@@ -6078,11 +5231,8 @@
                         </a:spcAft>
                       </a:pPr>
                       <a:r>
-                        <a:rPr lang="en-US" sz="2000" b="1">
+                        <a:rPr lang="en-US" sz="2000">
                           <a:effectLst/>
-                          <a:latin typeface="+mj-lt"/>
-                          <a:ea typeface="Calibri" panose="020F0502020204030204" pitchFamily="34" charset="0"/>
-                          <a:cs typeface="Times New Roman" panose="02020603050405020304" pitchFamily="18" charset="0"/>
                         </a:rPr>
                         <a:t>Logistic Regression</a:t>
                       </a:r>
@@ -6094,44 +5244,7 @@
                       </a:endParaRPr>
                     </a:p>
                   </a:txBody>
-                  <a:tcPr marL="68580" marR="68580" marT="0" marB="0">
-                    <a:lnL w="12700" cap="flat" cmpd="sng" algn="ctr">
-                      <a:solidFill>
-                        <a:srgbClr val="BFBFBF"/>
-                      </a:solidFill>
-                      <a:prstDash val="solid"/>
-                      <a:round/>
-                      <a:headEnd type="none" w="med" len="med"/>
-                      <a:tailEnd type="none" w="med" len="med"/>
-                    </a:lnL>
-                    <a:lnR w="12700" cap="flat" cmpd="sng" algn="ctr">
-                      <a:solidFill>
-                        <a:srgbClr val="BFBFBF"/>
-                      </a:solidFill>
-                      <a:prstDash val="solid"/>
-                      <a:round/>
-                      <a:headEnd type="none" w="med" len="med"/>
-                      <a:tailEnd type="none" w="med" len="med"/>
-                    </a:lnR>
-                    <a:lnT w="12700" cap="flat" cmpd="sng" algn="ctr">
-                      <a:solidFill>
-                        <a:srgbClr val="BFBFBF"/>
-                      </a:solidFill>
-                      <a:prstDash val="solid"/>
-                      <a:round/>
-                      <a:headEnd type="none" w="med" len="med"/>
-                      <a:tailEnd type="none" w="med" len="med"/>
-                    </a:lnT>
-                    <a:lnB w="12700" cap="flat" cmpd="sng" algn="ctr">
-                      <a:solidFill>
-                        <a:srgbClr val="BFBFBF"/>
-                      </a:solidFill>
-                      <a:prstDash val="solid"/>
-                      <a:round/>
-                      <a:headEnd type="none" w="med" len="med"/>
-                      <a:tailEnd type="none" w="med" len="med"/>
-                    </a:lnB>
-                  </a:tcPr>
+                  <a:tcPr marL="68580" marR="68580" marT="0" marB="0"/>
                 </a:tc>
                 <a:tc>
                   <a:txBody>
@@ -6149,9 +5262,6 @@
                       <a:r>
                         <a:rPr lang="en-US" sz="2000" dirty="0">
                           <a:effectLst/>
-                          <a:latin typeface="+mj-lt"/>
-                          <a:ea typeface="Calibri" panose="020F0502020204030204" pitchFamily="34" charset="0"/>
-                          <a:cs typeface="Times New Roman" panose="02020603050405020304" pitchFamily="18" charset="0"/>
                         </a:rPr>
                         <a:t>65 %</a:t>
                       </a:r>
@@ -6163,44 +5273,7 @@
                       </a:endParaRPr>
                     </a:p>
                   </a:txBody>
-                  <a:tcPr marL="68580" marR="68580" marT="0" marB="0">
-                    <a:lnL w="12700" cap="flat" cmpd="sng" algn="ctr">
-                      <a:solidFill>
-                        <a:srgbClr val="BFBFBF"/>
-                      </a:solidFill>
-                      <a:prstDash val="solid"/>
-                      <a:round/>
-                      <a:headEnd type="none" w="med" len="med"/>
-                      <a:tailEnd type="none" w="med" len="med"/>
-                    </a:lnL>
-                    <a:lnR w="12700" cap="flat" cmpd="sng" algn="ctr">
-                      <a:solidFill>
-                        <a:srgbClr val="BFBFBF"/>
-                      </a:solidFill>
-                      <a:prstDash val="solid"/>
-                      <a:round/>
-                      <a:headEnd type="none" w="med" len="med"/>
-                      <a:tailEnd type="none" w="med" len="med"/>
-                    </a:lnR>
-                    <a:lnT w="12700" cap="flat" cmpd="sng" algn="ctr">
-                      <a:solidFill>
-                        <a:srgbClr val="BFBFBF"/>
-                      </a:solidFill>
-                      <a:prstDash val="solid"/>
-                      <a:round/>
-                      <a:headEnd type="none" w="med" len="med"/>
-                      <a:tailEnd type="none" w="med" len="med"/>
-                    </a:lnT>
-                    <a:lnB w="12700" cap="flat" cmpd="sng" algn="ctr">
-                      <a:solidFill>
-                        <a:srgbClr val="BFBFBF"/>
-                      </a:solidFill>
-                      <a:prstDash val="solid"/>
-                      <a:round/>
-                      <a:headEnd type="none" w="med" len="med"/>
-                      <a:tailEnd type="none" w="med" len="med"/>
-                    </a:lnB>
-                  </a:tcPr>
+                  <a:tcPr marL="68580" marR="68580" marT="0" marB="0"/>
                 </a:tc>
                 <a:tc>
                   <a:txBody>
@@ -6218,9 +5291,6 @@
                       <a:r>
                         <a:rPr lang="en-US" sz="2000">
                           <a:effectLst/>
-                          <a:latin typeface="+mj-lt"/>
-                          <a:ea typeface="Calibri" panose="020F0502020204030204" pitchFamily="34" charset="0"/>
-                          <a:cs typeface="Times New Roman" panose="02020603050405020304" pitchFamily="18" charset="0"/>
                         </a:rPr>
                         <a:t>67 %</a:t>
                       </a:r>
@@ -6232,44 +5302,7 @@
                       </a:endParaRPr>
                     </a:p>
                   </a:txBody>
-                  <a:tcPr marL="68580" marR="68580" marT="0" marB="0">
-                    <a:lnL w="12700" cap="flat" cmpd="sng" algn="ctr">
-                      <a:solidFill>
-                        <a:srgbClr val="BFBFBF"/>
-                      </a:solidFill>
-                      <a:prstDash val="solid"/>
-                      <a:round/>
-                      <a:headEnd type="none" w="med" len="med"/>
-                      <a:tailEnd type="none" w="med" len="med"/>
-                    </a:lnL>
-                    <a:lnR w="12700" cap="flat" cmpd="sng" algn="ctr">
-                      <a:solidFill>
-                        <a:srgbClr val="BFBFBF"/>
-                      </a:solidFill>
-                      <a:prstDash val="solid"/>
-                      <a:round/>
-                      <a:headEnd type="none" w="med" len="med"/>
-                      <a:tailEnd type="none" w="med" len="med"/>
-                    </a:lnR>
-                    <a:lnT w="12700" cap="flat" cmpd="sng" algn="ctr">
-                      <a:solidFill>
-                        <a:srgbClr val="BFBFBF"/>
-                      </a:solidFill>
-                      <a:prstDash val="solid"/>
-                      <a:round/>
-                      <a:headEnd type="none" w="med" len="med"/>
-                      <a:tailEnd type="none" w="med" len="med"/>
-                    </a:lnT>
-                    <a:lnB w="12700" cap="flat" cmpd="sng" algn="ctr">
-                      <a:solidFill>
-                        <a:srgbClr val="BFBFBF"/>
-                      </a:solidFill>
-                      <a:prstDash val="solid"/>
-                      <a:round/>
-                      <a:headEnd type="none" w="med" len="med"/>
-                      <a:tailEnd type="none" w="med" len="med"/>
-                    </a:lnB>
-                  </a:tcPr>
+                  <a:tcPr marL="68580" marR="68580" marT="0" marB="0"/>
                 </a:tc>
                 <a:tc>
                   <a:txBody>
@@ -6287,9 +5320,6 @@
                       <a:r>
                         <a:rPr lang="en-US" sz="2000">
                           <a:effectLst/>
-                          <a:latin typeface="+mj-lt"/>
-                          <a:ea typeface="Calibri" panose="020F0502020204030204" pitchFamily="34" charset="0"/>
-                          <a:cs typeface="Times New Roman" panose="02020603050405020304" pitchFamily="18" charset="0"/>
                         </a:rPr>
                         <a:t>67 %</a:t>
                       </a:r>
@@ -6301,44 +5331,7 @@
                       </a:endParaRPr>
                     </a:p>
                   </a:txBody>
-                  <a:tcPr marL="68580" marR="68580" marT="0" marB="0">
-                    <a:lnL w="12700" cap="flat" cmpd="sng" algn="ctr">
-                      <a:solidFill>
-                        <a:srgbClr val="BFBFBF"/>
-                      </a:solidFill>
-                      <a:prstDash val="solid"/>
-                      <a:round/>
-                      <a:headEnd type="none" w="med" len="med"/>
-                      <a:tailEnd type="none" w="med" len="med"/>
-                    </a:lnL>
-                    <a:lnR w="12700" cap="flat" cmpd="sng" algn="ctr">
-                      <a:solidFill>
-                        <a:srgbClr val="BFBFBF"/>
-                      </a:solidFill>
-                      <a:prstDash val="solid"/>
-                      <a:round/>
-                      <a:headEnd type="none" w="med" len="med"/>
-                      <a:tailEnd type="none" w="med" len="med"/>
-                    </a:lnR>
-                    <a:lnT w="12700" cap="flat" cmpd="sng" algn="ctr">
-                      <a:solidFill>
-                        <a:srgbClr val="BFBFBF"/>
-                      </a:solidFill>
-                      <a:prstDash val="solid"/>
-                      <a:round/>
-                      <a:headEnd type="none" w="med" len="med"/>
-                      <a:tailEnd type="none" w="med" len="med"/>
-                    </a:lnT>
-                    <a:lnB w="12700" cap="flat" cmpd="sng" algn="ctr">
-                      <a:solidFill>
-                        <a:srgbClr val="BFBFBF"/>
-                      </a:solidFill>
-                      <a:prstDash val="solid"/>
-                      <a:round/>
-                      <a:headEnd type="none" w="med" len="med"/>
-                      <a:tailEnd type="none" w="med" len="med"/>
-                    </a:lnB>
-                  </a:tcPr>
+                  <a:tcPr marL="68580" marR="68580" marT="0" marB="0"/>
                 </a:tc>
                 <a:tc>
                   <a:txBody>
@@ -6356,9 +5349,6 @@
                       <a:r>
                         <a:rPr lang="en-US" sz="2000">
                           <a:effectLst/>
-                          <a:latin typeface="+mj-lt"/>
-                          <a:ea typeface="Calibri" panose="020F0502020204030204" pitchFamily="34" charset="0"/>
-                          <a:cs typeface="Times New Roman" panose="02020603050405020304" pitchFamily="18" charset="0"/>
                         </a:rPr>
                         <a:t>67 %</a:t>
                       </a:r>
@@ -6370,44 +5360,7 @@
                       </a:endParaRPr>
                     </a:p>
                   </a:txBody>
-                  <a:tcPr marL="68580" marR="68580" marT="0" marB="0">
-                    <a:lnL w="12700" cap="flat" cmpd="sng" algn="ctr">
-                      <a:solidFill>
-                        <a:srgbClr val="BFBFBF"/>
-                      </a:solidFill>
-                      <a:prstDash val="solid"/>
-                      <a:round/>
-                      <a:headEnd type="none" w="med" len="med"/>
-                      <a:tailEnd type="none" w="med" len="med"/>
-                    </a:lnL>
-                    <a:lnR w="12700" cap="flat" cmpd="sng" algn="ctr">
-                      <a:solidFill>
-                        <a:srgbClr val="BFBFBF"/>
-                      </a:solidFill>
-                      <a:prstDash val="solid"/>
-                      <a:round/>
-                      <a:headEnd type="none" w="med" len="med"/>
-                      <a:tailEnd type="none" w="med" len="med"/>
-                    </a:lnR>
-                    <a:lnT w="12700" cap="flat" cmpd="sng" algn="ctr">
-                      <a:solidFill>
-                        <a:srgbClr val="BFBFBF"/>
-                      </a:solidFill>
-                      <a:prstDash val="solid"/>
-                      <a:round/>
-                      <a:headEnd type="none" w="med" len="med"/>
-                      <a:tailEnd type="none" w="med" len="med"/>
-                    </a:lnT>
-                    <a:lnB w="12700" cap="flat" cmpd="sng" algn="ctr">
-                      <a:solidFill>
-                        <a:srgbClr val="BFBFBF"/>
-                      </a:solidFill>
-                      <a:prstDash val="solid"/>
-                      <a:round/>
-                      <a:headEnd type="none" w="med" len="med"/>
-                      <a:tailEnd type="none" w="med" len="med"/>
-                    </a:lnB>
-                  </a:tcPr>
+                  <a:tcPr marL="68580" marR="68580" marT="0" marB="0"/>
                 </a:tc>
                 <a:extLst>
                   <a:ext uri="{0D108BD9-81ED-4DB2-BD59-A6C34878D82A}">
@@ -6430,14 +5383,8 @@
                         </a:spcAft>
                       </a:pPr>
                       <a:r>
-                        <a:rPr lang="en-US" sz="2000" b="1" dirty="0">
-                          <a:solidFill>
-                            <a:srgbClr val="00B050"/>
-                          </a:solidFill>
+                        <a:rPr lang="en-US" sz="2000" dirty="0">
                           <a:effectLst/>
-                          <a:latin typeface="+mj-lt"/>
-                          <a:ea typeface="Calibri" panose="020F0502020204030204" pitchFamily="34" charset="0"/>
-                          <a:cs typeface="Times New Roman" panose="02020603050405020304" pitchFamily="18" charset="0"/>
                         </a:rPr>
                         <a:t>Multilayer Perceptron</a:t>
                       </a:r>
@@ -6452,47 +5399,7 @@
                       </a:endParaRPr>
                     </a:p>
                   </a:txBody>
-                  <a:tcPr marL="68580" marR="68580" marT="0" marB="0">
-                    <a:lnL w="12700" cap="flat" cmpd="sng" algn="ctr">
-                      <a:solidFill>
-                        <a:srgbClr val="BFBFBF"/>
-                      </a:solidFill>
-                      <a:prstDash val="solid"/>
-                      <a:round/>
-                      <a:headEnd type="none" w="med" len="med"/>
-                      <a:tailEnd type="none" w="med" len="med"/>
-                    </a:lnL>
-                    <a:lnR w="12700" cap="flat" cmpd="sng" algn="ctr">
-                      <a:solidFill>
-                        <a:srgbClr val="BFBFBF"/>
-                      </a:solidFill>
-                      <a:prstDash val="solid"/>
-                      <a:round/>
-                      <a:headEnd type="none" w="med" len="med"/>
-                      <a:tailEnd type="none" w="med" len="med"/>
-                    </a:lnR>
-                    <a:lnT w="12700" cap="flat" cmpd="sng" algn="ctr">
-                      <a:solidFill>
-                        <a:srgbClr val="BFBFBF"/>
-                      </a:solidFill>
-                      <a:prstDash val="solid"/>
-                      <a:round/>
-                      <a:headEnd type="none" w="med" len="med"/>
-                      <a:tailEnd type="none" w="med" len="med"/>
-                    </a:lnT>
-                    <a:lnB w="12700" cap="flat" cmpd="sng" algn="ctr">
-                      <a:solidFill>
-                        <a:srgbClr val="BFBFBF"/>
-                      </a:solidFill>
-                      <a:prstDash val="solid"/>
-                      <a:round/>
-                      <a:headEnd type="none" w="med" len="med"/>
-                      <a:tailEnd type="none" w="med" len="med"/>
-                    </a:lnB>
-                    <a:solidFill>
-                      <a:srgbClr val="F2F2F2"/>
-                    </a:solidFill>
-                  </a:tcPr>
+                  <a:tcPr marL="68580" marR="68580" marT="0" marB="0"/>
                 </a:tc>
                 <a:tc>
                   <a:txBody>
@@ -6508,14 +5415,8 @@
                         </a:spcAft>
                       </a:pPr>
                       <a:r>
-                        <a:rPr lang="en-US" sz="2000" b="1">
-                          <a:solidFill>
-                            <a:srgbClr val="00B050"/>
-                          </a:solidFill>
+                        <a:rPr lang="en-US" sz="2000">
                           <a:effectLst/>
-                          <a:latin typeface="+mj-lt"/>
-                          <a:ea typeface="Calibri" panose="020F0502020204030204" pitchFamily="34" charset="0"/>
-                          <a:cs typeface="Times New Roman" panose="02020603050405020304" pitchFamily="18" charset="0"/>
                         </a:rPr>
                         <a:t>73 %</a:t>
                       </a:r>
@@ -6527,47 +5428,7 @@
                       </a:endParaRPr>
                     </a:p>
                   </a:txBody>
-                  <a:tcPr marL="68580" marR="68580" marT="0" marB="0">
-                    <a:lnL w="12700" cap="flat" cmpd="sng" algn="ctr">
-                      <a:solidFill>
-                        <a:srgbClr val="BFBFBF"/>
-                      </a:solidFill>
-                      <a:prstDash val="solid"/>
-                      <a:round/>
-                      <a:headEnd type="none" w="med" len="med"/>
-                      <a:tailEnd type="none" w="med" len="med"/>
-                    </a:lnL>
-                    <a:lnR w="12700" cap="flat" cmpd="sng" algn="ctr">
-                      <a:solidFill>
-                        <a:srgbClr val="BFBFBF"/>
-                      </a:solidFill>
-                      <a:prstDash val="solid"/>
-                      <a:round/>
-                      <a:headEnd type="none" w="med" len="med"/>
-                      <a:tailEnd type="none" w="med" len="med"/>
-                    </a:lnR>
-                    <a:lnT w="12700" cap="flat" cmpd="sng" algn="ctr">
-                      <a:solidFill>
-                        <a:srgbClr val="BFBFBF"/>
-                      </a:solidFill>
-                      <a:prstDash val="solid"/>
-                      <a:round/>
-                      <a:headEnd type="none" w="med" len="med"/>
-                      <a:tailEnd type="none" w="med" len="med"/>
-                    </a:lnT>
-                    <a:lnB w="12700" cap="flat" cmpd="sng" algn="ctr">
-                      <a:solidFill>
-                        <a:srgbClr val="BFBFBF"/>
-                      </a:solidFill>
-                      <a:prstDash val="solid"/>
-                      <a:round/>
-                      <a:headEnd type="none" w="med" len="med"/>
-                      <a:tailEnd type="none" w="med" len="med"/>
-                    </a:lnB>
-                    <a:solidFill>
-                      <a:srgbClr val="F2F2F2"/>
-                    </a:solidFill>
-                  </a:tcPr>
+                  <a:tcPr marL="68580" marR="68580" marT="0" marB="0"/>
                 </a:tc>
                 <a:tc>
                   <a:txBody>
@@ -6583,14 +5444,8 @@
                         </a:spcAft>
                       </a:pPr>
                       <a:r>
-                        <a:rPr lang="en-US" sz="2000" b="1">
-                          <a:solidFill>
-                            <a:srgbClr val="00B050"/>
-                          </a:solidFill>
+                        <a:rPr lang="en-US" sz="2000">
                           <a:effectLst/>
-                          <a:latin typeface="+mj-lt"/>
-                          <a:ea typeface="Calibri" panose="020F0502020204030204" pitchFamily="34" charset="0"/>
-                          <a:cs typeface="Times New Roman" panose="02020603050405020304" pitchFamily="18" charset="0"/>
                         </a:rPr>
                         <a:t>71 %</a:t>
                       </a:r>
@@ -6602,47 +5457,7 @@
                       </a:endParaRPr>
                     </a:p>
                   </a:txBody>
-                  <a:tcPr marL="68580" marR="68580" marT="0" marB="0">
-                    <a:lnL w="12700" cap="flat" cmpd="sng" algn="ctr">
-                      <a:solidFill>
-                        <a:srgbClr val="BFBFBF"/>
-                      </a:solidFill>
-                      <a:prstDash val="solid"/>
-                      <a:round/>
-                      <a:headEnd type="none" w="med" len="med"/>
-                      <a:tailEnd type="none" w="med" len="med"/>
-                    </a:lnL>
-                    <a:lnR w="12700" cap="flat" cmpd="sng" algn="ctr">
-                      <a:solidFill>
-                        <a:srgbClr val="BFBFBF"/>
-                      </a:solidFill>
-                      <a:prstDash val="solid"/>
-                      <a:round/>
-                      <a:headEnd type="none" w="med" len="med"/>
-                      <a:tailEnd type="none" w="med" len="med"/>
-                    </a:lnR>
-                    <a:lnT w="12700" cap="flat" cmpd="sng" algn="ctr">
-                      <a:solidFill>
-                        <a:srgbClr val="BFBFBF"/>
-                      </a:solidFill>
-                      <a:prstDash val="solid"/>
-                      <a:round/>
-                      <a:headEnd type="none" w="med" len="med"/>
-                      <a:tailEnd type="none" w="med" len="med"/>
-                    </a:lnT>
-                    <a:lnB w="12700" cap="flat" cmpd="sng" algn="ctr">
-                      <a:solidFill>
-                        <a:srgbClr val="BFBFBF"/>
-                      </a:solidFill>
-                      <a:prstDash val="solid"/>
-                      <a:round/>
-                      <a:headEnd type="none" w="med" len="med"/>
-                      <a:tailEnd type="none" w="med" len="med"/>
-                    </a:lnB>
-                    <a:solidFill>
-                      <a:srgbClr val="F2F2F2"/>
-                    </a:solidFill>
-                  </a:tcPr>
+                  <a:tcPr marL="68580" marR="68580" marT="0" marB="0"/>
                 </a:tc>
                 <a:tc>
                   <a:txBody>
@@ -6658,14 +5473,8 @@
                         </a:spcAft>
                       </a:pPr>
                       <a:r>
-                        <a:rPr lang="en-US" sz="2000" b="1">
-                          <a:solidFill>
-                            <a:srgbClr val="00B050"/>
-                          </a:solidFill>
+                        <a:rPr lang="en-US" sz="2000">
                           <a:effectLst/>
-                          <a:latin typeface="+mj-lt"/>
-                          <a:ea typeface="Calibri" panose="020F0502020204030204" pitchFamily="34" charset="0"/>
-                          <a:cs typeface="Times New Roman" panose="02020603050405020304" pitchFamily="18" charset="0"/>
                         </a:rPr>
                         <a:t>83 %</a:t>
                       </a:r>
@@ -6677,47 +5486,7 @@
                       </a:endParaRPr>
                     </a:p>
                   </a:txBody>
-                  <a:tcPr marL="68580" marR="68580" marT="0" marB="0">
-                    <a:lnL w="12700" cap="flat" cmpd="sng" algn="ctr">
-                      <a:solidFill>
-                        <a:srgbClr val="BFBFBF"/>
-                      </a:solidFill>
-                      <a:prstDash val="solid"/>
-                      <a:round/>
-                      <a:headEnd type="none" w="med" len="med"/>
-                      <a:tailEnd type="none" w="med" len="med"/>
-                    </a:lnL>
-                    <a:lnR w="12700" cap="flat" cmpd="sng" algn="ctr">
-                      <a:solidFill>
-                        <a:srgbClr val="BFBFBF"/>
-                      </a:solidFill>
-                      <a:prstDash val="solid"/>
-                      <a:round/>
-                      <a:headEnd type="none" w="med" len="med"/>
-                      <a:tailEnd type="none" w="med" len="med"/>
-                    </a:lnR>
-                    <a:lnT w="12700" cap="flat" cmpd="sng" algn="ctr">
-                      <a:solidFill>
-                        <a:srgbClr val="BFBFBF"/>
-                      </a:solidFill>
-                      <a:prstDash val="solid"/>
-                      <a:round/>
-                      <a:headEnd type="none" w="med" len="med"/>
-                      <a:tailEnd type="none" w="med" len="med"/>
-                    </a:lnT>
-                    <a:lnB w="12700" cap="flat" cmpd="sng" algn="ctr">
-                      <a:solidFill>
-                        <a:srgbClr val="BFBFBF"/>
-                      </a:solidFill>
-                      <a:prstDash val="solid"/>
-                      <a:round/>
-                      <a:headEnd type="none" w="med" len="med"/>
-                      <a:tailEnd type="none" w="med" len="med"/>
-                    </a:lnB>
-                    <a:solidFill>
-                      <a:srgbClr val="F2F2F2"/>
-                    </a:solidFill>
-                  </a:tcPr>
+                  <a:tcPr marL="68580" marR="68580" marT="0" marB="0"/>
                 </a:tc>
                 <a:tc>
                   <a:txBody>
@@ -6733,14 +5502,8 @@
                         </a:spcAft>
                       </a:pPr>
                       <a:r>
-                        <a:rPr lang="en-US" sz="2000" b="1" dirty="0">
-                          <a:solidFill>
-                            <a:srgbClr val="00B050"/>
-                          </a:solidFill>
+                        <a:rPr lang="en-US" sz="2000" dirty="0">
                           <a:effectLst/>
-                          <a:latin typeface="+mj-lt"/>
-                          <a:ea typeface="Calibri" panose="020F0502020204030204" pitchFamily="34" charset="0"/>
-                          <a:cs typeface="Times New Roman" panose="02020603050405020304" pitchFamily="18" charset="0"/>
                         </a:rPr>
                         <a:t>77 %</a:t>
                       </a:r>
@@ -6752,47 +5515,7 @@
                       </a:endParaRPr>
                     </a:p>
                   </a:txBody>
-                  <a:tcPr marL="68580" marR="68580" marT="0" marB="0">
-                    <a:lnL w="12700" cap="flat" cmpd="sng" algn="ctr">
-                      <a:solidFill>
-                        <a:srgbClr val="BFBFBF"/>
-                      </a:solidFill>
-                      <a:prstDash val="solid"/>
-                      <a:round/>
-                      <a:headEnd type="none" w="med" len="med"/>
-                      <a:tailEnd type="none" w="med" len="med"/>
-                    </a:lnL>
-                    <a:lnR w="12700" cap="flat" cmpd="sng" algn="ctr">
-                      <a:solidFill>
-                        <a:srgbClr val="BFBFBF"/>
-                      </a:solidFill>
-                      <a:prstDash val="solid"/>
-                      <a:round/>
-                      <a:headEnd type="none" w="med" len="med"/>
-                      <a:tailEnd type="none" w="med" len="med"/>
-                    </a:lnR>
-                    <a:lnT w="12700" cap="flat" cmpd="sng" algn="ctr">
-                      <a:solidFill>
-                        <a:srgbClr val="BFBFBF"/>
-                      </a:solidFill>
-                      <a:prstDash val="solid"/>
-                      <a:round/>
-                      <a:headEnd type="none" w="med" len="med"/>
-                      <a:tailEnd type="none" w="med" len="med"/>
-                    </a:lnT>
-                    <a:lnB w="12700" cap="flat" cmpd="sng" algn="ctr">
-                      <a:solidFill>
-                        <a:srgbClr val="BFBFBF"/>
-                      </a:solidFill>
-                      <a:prstDash val="solid"/>
-                      <a:round/>
-                      <a:headEnd type="none" w="med" len="med"/>
-                      <a:tailEnd type="none" w="med" len="med"/>
-                    </a:lnB>
-                    <a:solidFill>
-                      <a:srgbClr val="F2F2F2"/>
-                    </a:solidFill>
-                  </a:tcPr>
+                  <a:tcPr marL="68580" marR="68580" marT="0" marB="0"/>
                 </a:tc>
                 <a:extLst>
                   <a:ext uri="{0D108BD9-81ED-4DB2-BD59-A6C34878D82A}">
@@ -7177,7 +5900,7 @@
           <a:p>
             <a:r>
               <a:rPr lang="en-US" sz="2400" dirty="0"/>
-              <a:t>Thus, I think that the initial phase of this study presented here gives showed the promise of this study. It can be continued to produce more reasonable results. </a:t>
+              <a:t>I think that the initial phase of this study presented here gives showed the promise of this study. It can be continued to produce more reasonable results. </a:t>
             </a:r>
             <a:endParaRPr lang="ru-RU" sz="2400" dirty="0"/>
           </a:p>
@@ -7509,11 +6232,17 @@
               <a:rPr lang="en-US" u="sng" dirty="0">
                 <a:hlinkClick r:id="rId3"/>
               </a:rPr>
-              <a:t>en.wikipedia.org/wiki/List_of_United_States_cities_by_crime_rate</a:t>
+              <a:t>en.wikipedia.org/wiki/</a:t>
+            </a:r>
+            <a:r>
+              <a:rPr lang="en-US" u="sng" dirty="0" err="1">
+                <a:hlinkClick r:id="rId3"/>
+              </a:rPr>
+              <a:t>List_of_United_States_cities_by_crime_rate</a:t>
             </a:r>
             <a:r>
               <a:rPr lang="en-US" dirty="0"/>
-              <a:t>.]</a:t>
+              <a:t>]</a:t>
             </a:r>
             <a:endParaRPr lang="ru-RU" dirty="0"/>
           </a:p>
@@ -8096,7 +6825,7 @@
         </p:blipFill>
         <p:spPr bwMode="auto">
           <a:xfrm>
-            <a:off x="4404760" y="1872226"/>
+            <a:off x="3998360" y="1853754"/>
             <a:ext cx="6650094" cy="4765351"/>
           </a:xfrm>
           <a:prstGeom prst="rect">
@@ -8132,8 +6861,8 @@
         </p:blipFill>
         <p:spPr>
           <a:xfrm>
-            <a:off x="1451579" y="1886424"/>
-            <a:ext cx="1861272" cy="3967828"/>
+            <a:off x="1912430" y="2669307"/>
+            <a:ext cx="1372712" cy="2926325"/>
           </a:xfrm>
           <a:prstGeom prst="rect">
             <a:avLst/>
@@ -8443,20 +7172,20 @@
             <p:ph idx="1"/>
             <p:extLst>
               <p:ext uri="{D42A27DB-BD31-4B8C-83A1-F6EECF244321}">
-                <p14:modId xmlns:p14="http://schemas.microsoft.com/office/powerpoint/2010/main" val="3250490706"/>
+                <p14:modId xmlns:p14="http://schemas.microsoft.com/office/powerpoint/2010/main" val="838781996"/>
               </p:ext>
             </p:extLst>
           </p:nvPr>
         </p:nvGraphicFramePr>
         <p:xfrm>
-          <a:off x="2885440" y="1853754"/>
-          <a:ext cx="7051040" cy="4851843"/>
+          <a:off x="2885440" y="1495529"/>
+          <a:ext cx="7051040" cy="4626127"/>
         </p:xfrm>
         <a:graphic>
           <a:graphicData uri="http://schemas.openxmlformats.org/drawingml/2006/table">
             <a:tbl>
               <a:tblPr firstRow="1" firstCol="1" bandRow="1">
-                <a:tableStyleId>{69CF1AB2-1976-4502-BF36-3FF5EA218861}</a:tableStyleId>
+                <a:tableStyleId>{616DA210-FB5B-4158-B5E0-FEB733F419BA}</a:tableStyleId>
               </a:tblPr>
               <a:tblGrid>
                 <a:gridCol w="3029659">
@@ -8474,7 +7203,7 @@
                   </a:extLst>
                 </a:gridCol>
               </a:tblGrid>
-              <a:tr h="587261">
+              <a:tr h="361545">
                 <a:tc>
                   <a:txBody>
                     <a:bodyPr/>
@@ -8489,12 +7218,12 @@
                         </a:spcAft>
                       </a:pPr>
                       <a:r>
-                        <a:rPr lang="en-US" sz="2000" b="1">
+                        <a:rPr lang="en-US" sz="2000" dirty="0">
                           <a:effectLst/>
                         </a:rPr>
                         <a:t>Feature</a:t>
                       </a:r>
-                      <a:endParaRPr lang="ru-RU" sz="1800" b="1">
+                      <a:endParaRPr lang="ru-RU" sz="1800" b="1" dirty="0">
                         <a:effectLst/>
                         <a:latin typeface="Calibri" panose="020F0502020204030204" pitchFamily="34" charset="0"/>
                         <a:ea typeface="Calibri" panose="020F0502020204030204" pitchFamily="34" charset="0"/>
@@ -8518,7 +7247,7 @@
                         </a:spcAft>
                       </a:pPr>
                       <a:r>
-                        <a:rPr lang="en-US" sz="2000" b="1" dirty="0">
+                        <a:rPr lang="en-US" sz="2000" dirty="0">
                           <a:effectLst/>
                         </a:rPr>
                         <a:t>Correlation with the crime rate</a:t>
@@ -8554,7 +7283,7 @@
                         </a:spcAft>
                       </a:pPr>
                       <a:r>
-                        <a:rPr lang="en-US" sz="1800" b="1">
+                        <a:rPr lang="en-US" sz="1800">
                           <a:effectLst/>
                         </a:rPr>
                         <a:t>swimming school</a:t>
@@ -8583,7 +7312,7 @@
                         </a:spcAft>
                       </a:pPr>
                       <a:r>
-                        <a:rPr lang="en-US" sz="1800" b="1">
+                        <a:rPr lang="en-US" sz="1800">
                           <a:effectLst/>
                         </a:rPr>
                         <a:t>-0,47   </a:t>
@@ -8619,7 +7348,7 @@
                         </a:spcAft>
                       </a:pPr>
                       <a:r>
-                        <a:rPr lang="en-US" sz="1800" b="1" dirty="0">
+                        <a:rPr lang="en-US" sz="1800" dirty="0">
                           <a:effectLst/>
                         </a:rPr>
                         <a:t>gym / fitness</a:t>
@@ -8648,7 +7377,7 @@
                         </a:spcAft>
                       </a:pPr>
                       <a:r>
-                        <a:rPr lang="en-US" sz="1800" b="1">
+                        <a:rPr lang="en-US" sz="1800">
                           <a:effectLst/>
                         </a:rPr>
                         <a:t>-0,28   </a:t>
@@ -8684,7 +7413,7 @@
                         </a:spcAft>
                       </a:pPr>
                       <a:r>
-                        <a:rPr lang="en-US" sz="1800" b="1">
+                        <a:rPr lang="en-US" sz="1800">
                           <a:effectLst/>
                         </a:rPr>
                         <a:t>total sports</a:t>
@@ -8713,7 +7442,7 @@
                         </a:spcAft>
                       </a:pPr>
                       <a:r>
-                        <a:rPr lang="en-US" sz="1800" b="1">
+                        <a:rPr lang="en-US" sz="1800">
                           <a:effectLst/>
                         </a:rPr>
                         <a:t>-0,26   </a:t>
@@ -8749,7 +7478,7 @@
                         </a:spcAft>
                       </a:pPr>
                       <a:r>
-                        <a:rPr lang="en-US" sz="1800" b="1">
+                        <a:rPr lang="en-US" sz="1800">
                           <a:effectLst/>
                         </a:rPr>
                         <a:t>volleyball court</a:t>
@@ -8778,7 +7507,7 @@
                         </a:spcAft>
                       </a:pPr>
                       <a:r>
-                        <a:rPr lang="en-US" sz="1800" b="1">
+                        <a:rPr lang="en-US" sz="1800">
                           <a:effectLst/>
                         </a:rPr>
                         <a:t>-0,26   </a:t>
@@ -8814,7 +7543,7 @@
                         </a:spcAft>
                       </a:pPr>
                       <a:r>
-                        <a:rPr lang="en-US" sz="1800" b="1">
+                        <a:rPr lang="en-US" sz="1800">
                           <a:effectLst/>
                         </a:rPr>
                         <a:t>basketball court</a:t>
@@ -8843,7 +7572,7 @@
                         </a:spcAft>
                       </a:pPr>
                       <a:r>
-                        <a:rPr lang="en-US" sz="1800" b="1">
+                        <a:rPr lang="en-US" sz="1800">
                           <a:effectLst/>
                         </a:rPr>
                         <a:t>-0,20   </a:t>
@@ -8879,7 +7608,7 @@
                         </a:spcAft>
                       </a:pPr>
                       <a:r>
-                        <a:rPr lang="en-US" sz="1800" b="1">
+                        <a:rPr lang="en-US" sz="1800">
                           <a:effectLst/>
                         </a:rPr>
                         <a:t>athletics stadium</a:t>
@@ -8908,12 +7637,12 @@
                         </a:spcAft>
                       </a:pPr>
                       <a:r>
-                        <a:rPr lang="en-US" sz="1800" b="1">
+                        <a:rPr lang="en-US" sz="1800" dirty="0">
                           <a:effectLst/>
                         </a:rPr>
                         <a:t>-0,18   </a:t>
                       </a:r>
-                      <a:endParaRPr lang="ru-RU" sz="1800" b="1">
+                      <a:endParaRPr lang="ru-RU" sz="1800" b="1" dirty="0">
                         <a:effectLst/>
                         <a:latin typeface="Calibri" panose="020F0502020204030204" pitchFamily="34" charset="0"/>
                         <a:ea typeface="Calibri" panose="020F0502020204030204" pitchFamily="34" charset="0"/>
@@ -8944,7 +7673,7 @@
                         </a:spcAft>
                       </a:pPr>
                       <a:r>
-                        <a:rPr lang="en-US" sz="1800" b="1">
+                        <a:rPr lang="en-US" sz="1800">
                           <a:effectLst/>
                         </a:rPr>
                         <a:t>sport club</a:t>
@@ -8973,7 +7702,7 @@
                         </a:spcAft>
                       </a:pPr>
                       <a:r>
-                        <a:rPr lang="en-US" sz="1800" b="1">
+                        <a:rPr lang="en-US" sz="1800">
                           <a:effectLst/>
                         </a:rPr>
                         <a:t>-0,18   </a:t>
@@ -9009,7 +7738,7 @@
                         </a:spcAft>
                       </a:pPr>
                       <a:r>
-                        <a:rPr lang="en-US" sz="1800" b="1">
+                        <a:rPr lang="en-US" sz="1800">
                           <a:effectLst/>
                         </a:rPr>
                         <a:t>football filed</a:t>
@@ -9038,7 +7767,7 @@
                         </a:spcAft>
                       </a:pPr>
                       <a:r>
-                        <a:rPr lang="en-US" sz="1800" b="1">
+                        <a:rPr lang="en-US" sz="1800">
                           <a:effectLst/>
                         </a:rPr>
                         <a:t>-0,16   </a:t>
@@ -9074,7 +7803,7 @@
                         </a:spcAft>
                       </a:pPr>
                       <a:r>
-                        <a:rPr lang="en-US" sz="1800" b="1">
+                        <a:rPr lang="en-US" sz="1800">
                           <a:effectLst/>
                         </a:rPr>
                         <a:t>tennis court</a:t>
@@ -9103,7 +7832,7 @@
                         </a:spcAft>
                       </a:pPr>
                       <a:r>
-                        <a:rPr lang="en-US" sz="1800" b="1">
+                        <a:rPr lang="en-US" sz="1800">
                           <a:effectLst/>
                         </a:rPr>
                         <a:t>-0,14   </a:t>
@@ -9139,7 +7868,7 @@
                         </a:spcAft>
                       </a:pPr>
                       <a:r>
-                        <a:rPr lang="en-US" sz="1800" b="1">
+                        <a:rPr lang="en-US" sz="1800">
                           <a:effectLst/>
                         </a:rPr>
                         <a:t>baseball field</a:t>
@@ -9168,7 +7897,7 @@
                         </a:spcAft>
                       </a:pPr>
                       <a:r>
-                        <a:rPr lang="en-US" sz="1800" b="1">
+                        <a:rPr lang="en-US" sz="1800">
                           <a:effectLst/>
                         </a:rPr>
                         <a:t>-0,12   </a:t>
@@ -9204,7 +7933,7 @@
                         </a:spcAft>
                       </a:pPr>
                       <a:r>
-                        <a:rPr lang="en-US" sz="1800" b="1">
+                        <a:rPr lang="en-US" sz="1800">
                           <a:effectLst/>
                         </a:rPr>
                         <a:t>ski tracking</a:t>
@@ -9233,7 +7962,7 @@
                         </a:spcAft>
                       </a:pPr>
                       <a:r>
-                        <a:rPr lang="en-US" sz="1800" b="1">
+                        <a:rPr lang="en-US" sz="1800">
                           <a:effectLst/>
                         </a:rPr>
                         <a:t>-0,06   </a:t>
@@ -9269,7 +7998,7 @@
                         </a:spcAft>
                       </a:pPr>
                       <a:r>
-                        <a:rPr lang="en-US" sz="1800" b="1">
+                        <a:rPr lang="en-US" sz="1800">
                           <a:effectLst/>
                         </a:rPr>
                         <a:t>badminton court</a:t>
@@ -9298,7 +8027,7 @@
                         </a:spcAft>
                       </a:pPr>
                       <a:r>
-                        <a:rPr lang="en-US" sz="1800" b="1">
+                        <a:rPr lang="en-US" sz="1800">
                           <a:effectLst/>
                         </a:rPr>
                         <a:t>  0,01   </a:t>
@@ -9334,7 +8063,7 @@
                         </a:spcAft>
                       </a:pPr>
                       <a:r>
-                        <a:rPr lang="en-US" sz="1800" b="1">
+                        <a:rPr lang="en-US" sz="1800">
                           <a:effectLst/>
                         </a:rPr>
                         <a:t>hockey field</a:t>
@@ -9363,12 +8092,12 @@
                         </a:spcAft>
                       </a:pPr>
                       <a:r>
-                        <a:rPr lang="en-US" sz="1800" b="1">
+                        <a:rPr lang="en-US" sz="1800" dirty="0">
                           <a:effectLst/>
                         </a:rPr>
                         <a:t>  0,13   </a:t>
                       </a:r>
-                      <a:endParaRPr lang="ru-RU" sz="1800" b="1">
+                      <a:endParaRPr lang="ru-RU" sz="1800" b="1" dirty="0">
                         <a:effectLst/>
                         <a:latin typeface="Calibri" panose="020F0502020204030204" pitchFamily="34" charset="0"/>
                         <a:ea typeface="Calibri" panose="020F0502020204030204" pitchFamily="34" charset="0"/>
@@ -9399,7 +8128,7 @@
                         </a:spcAft>
                       </a:pPr>
                       <a:r>
-                        <a:rPr lang="en-US" sz="1800" b="1">
+                        <a:rPr lang="en-US" sz="1800">
                           <a:effectLst/>
                         </a:rPr>
                         <a:t>rink</a:t>
@@ -9428,7 +8157,7 @@
                         </a:spcAft>
                       </a:pPr>
                       <a:r>
-                        <a:rPr lang="en-US" sz="1800" b="1" dirty="0">
+                        <a:rPr lang="en-US" sz="1800" dirty="0">
                           <a:effectLst/>
                         </a:rPr>
                         <a:t>  0,14   </a:t>
